--- a/Final/Better Census Bureau.pptx
+++ b/Final/Better Census Bureau.pptx
@@ -6,14 +6,13 @@
   </p:sldMasterIdLst>
   <p:sldIdLst>
     <p:sldId id="256" r:id="rId2"/>
-    <p:sldId id="261" r:id="rId3"/>
-    <p:sldId id="257" r:id="rId4"/>
-    <p:sldId id="266" r:id="rId5"/>
-    <p:sldId id="259" r:id="rId6"/>
-    <p:sldId id="260" r:id="rId7"/>
-    <p:sldId id="264" r:id="rId8"/>
-    <p:sldId id="265" r:id="rId9"/>
-    <p:sldId id="267" r:id="rId10"/>
+    <p:sldId id="259" r:id="rId3"/>
+    <p:sldId id="261" r:id="rId4"/>
+    <p:sldId id="260" r:id="rId5"/>
+    <p:sldId id="264" r:id="rId6"/>
+    <p:sldId id="265" r:id="rId7"/>
+    <p:sldId id="267" r:id="rId8"/>
+    <p:sldId id="266" r:id="rId9"/>
   </p:sldIdLst>
   <p:sldSz cx="12192000" cy="6858000"/>
   <p:notesSz cx="6858000" cy="9144000"/>
@@ -170,7 +169,7 @@
           <a:noFill/>
           <a:extLst>
             <a:ext uri="{909E8E84-426E-40dd-AFC4-6F175D3DCCD1}">
-              <a14:hiddenFill xmlns="" xmlns:a14="http://schemas.microsoft.com/office/drawing/2010/main">
+              <a14:hiddenFill xmlns:a14="http://schemas.microsoft.com/office/drawing/2010/main" xmlns="">
                 <a:solidFill>
                   <a:srgbClr val="FFFFFF"/>
                 </a:solidFill>
@@ -230,7 +229,7 @@
             </a:ln>
             <a:extLst>
               <a:ext uri="{91240B29-F687-4f45-9708-019B960494DF}">
-                <a14:hiddenLine xmlns="" xmlns:a14="http://schemas.microsoft.com/office/drawing/2010/main" w="9525">
+                <a14:hiddenLine xmlns:a14="http://schemas.microsoft.com/office/drawing/2010/main" xmlns="" w="9525">
                   <a:solidFill>
                     <a:srgbClr val="000000"/>
                   </a:solidFill>
@@ -320,7 +319,7 @@
             </a:ln>
             <a:extLst>
               <a:ext uri="{91240B29-F687-4f45-9708-019B960494DF}">
-                <a14:hiddenLine xmlns="" xmlns:a14="http://schemas.microsoft.com/office/drawing/2010/main" w="9525">
+                <a14:hiddenLine xmlns:a14="http://schemas.microsoft.com/office/drawing/2010/main" xmlns="" w="9525">
                   <a:solidFill>
                     <a:srgbClr val="000000"/>
                   </a:solidFill>
@@ -410,7 +409,7 @@
             </a:ln>
             <a:extLst>
               <a:ext uri="{91240B29-F687-4f45-9708-019B960494DF}">
-                <a14:hiddenLine xmlns="" xmlns:a14="http://schemas.microsoft.com/office/drawing/2010/main" w="9525">
+                <a14:hiddenLine xmlns:a14="http://schemas.microsoft.com/office/drawing/2010/main" xmlns="" w="9525">
                   <a:solidFill>
                     <a:srgbClr val="000000"/>
                   </a:solidFill>
@@ -444,7 +443,7 @@
             </a:ln>
             <a:extLst>
               <a:ext uri="{91240B29-F687-4f45-9708-019B960494DF}">
-                <a14:hiddenLine xmlns="" xmlns:a14="http://schemas.microsoft.com/office/drawing/2010/main" w="9525">
+                <a14:hiddenLine xmlns:a14="http://schemas.microsoft.com/office/drawing/2010/main" xmlns="" w="9525">
                   <a:solidFill>
                     <a:srgbClr val="000000"/>
                   </a:solidFill>
@@ -534,7 +533,7 @@
             </a:ln>
             <a:extLst>
               <a:ext uri="{91240B29-F687-4f45-9708-019B960494DF}">
-                <a14:hiddenLine xmlns="" xmlns:a14="http://schemas.microsoft.com/office/drawing/2010/main" w="9525">
+                <a14:hiddenLine xmlns:a14="http://schemas.microsoft.com/office/drawing/2010/main" xmlns="" w="9525">
                   <a:solidFill>
                     <a:srgbClr val="000000"/>
                   </a:solidFill>
@@ -596,7 +595,7 @@
             </a:ln>
             <a:extLst>
               <a:ext uri="{91240B29-F687-4f45-9708-019B960494DF}">
-                <a14:hiddenLine xmlns="" xmlns:a14="http://schemas.microsoft.com/office/drawing/2010/main" w="9525">
+                <a14:hiddenLine xmlns:a14="http://schemas.microsoft.com/office/drawing/2010/main" xmlns="" w="9525">
                   <a:solidFill>
                     <a:srgbClr val="000000"/>
                   </a:solidFill>
@@ -658,7 +657,7 @@
             </a:ln>
             <a:extLst>
               <a:ext uri="{91240B29-F687-4f45-9708-019B960494DF}">
-                <a14:hiddenLine xmlns="" xmlns:a14="http://schemas.microsoft.com/office/drawing/2010/main" w="9525">
+                <a14:hiddenLine xmlns:a14="http://schemas.microsoft.com/office/drawing/2010/main" xmlns="" w="9525">
                   <a:solidFill>
                     <a:srgbClr val="000000"/>
                   </a:solidFill>
@@ -748,7 +747,7 @@
             </a:ln>
             <a:extLst>
               <a:ext uri="{91240B29-F687-4f45-9708-019B960494DF}">
-                <a14:hiddenLine xmlns="" xmlns:a14="http://schemas.microsoft.com/office/drawing/2010/main" w="9525">
+                <a14:hiddenLine xmlns:a14="http://schemas.microsoft.com/office/drawing/2010/main" xmlns="" w="9525">
                   <a:solidFill>
                     <a:srgbClr val="000000"/>
                   </a:solidFill>
@@ -810,7 +809,7 @@
             </a:ln>
             <a:extLst>
               <a:ext uri="{91240B29-F687-4f45-9708-019B960494DF}">
-                <a14:hiddenLine xmlns="" xmlns:a14="http://schemas.microsoft.com/office/drawing/2010/main" w="9525">
+                <a14:hiddenLine xmlns:a14="http://schemas.microsoft.com/office/drawing/2010/main" xmlns="" w="9525">
                   <a:solidFill>
                     <a:srgbClr val="000000"/>
                   </a:solidFill>
@@ -872,7 +871,7 @@
             </a:ln>
             <a:extLst>
               <a:ext uri="{91240B29-F687-4f45-9708-019B960494DF}">
-                <a14:hiddenLine xmlns="" xmlns:a14="http://schemas.microsoft.com/office/drawing/2010/main" w="9525">
+                <a14:hiddenLine xmlns:a14="http://schemas.microsoft.com/office/drawing/2010/main" xmlns="" w="9525">
                   <a:solidFill>
                     <a:srgbClr val="000000"/>
                   </a:solidFill>
@@ -962,7 +961,7 @@
             </a:ln>
             <a:extLst>
               <a:ext uri="{91240B29-F687-4f45-9708-019B960494DF}">
-                <a14:hiddenLine xmlns="" xmlns:a14="http://schemas.microsoft.com/office/drawing/2010/main" w="9525">
+                <a14:hiddenLine xmlns:a14="http://schemas.microsoft.com/office/drawing/2010/main" xmlns="" w="9525">
                   <a:solidFill>
                     <a:srgbClr val="000000"/>
                   </a:solidFill>
@@ -1052,7 +1051,7 @@
             </a:ln>
             <a:extLst>
               <a:ext uri="{91240B29-F687-4f45-9708-019B960494DF}">
-                <a14:hiddenLine xmlns="" xmlns:a14="http://schemas.microsoft.com/office/drawing/2010/main" w="9525">
+                <a14:hiddenLine xmlns:a14="http://schemas.microsoft.com/office/drawing/2010/main" xmlns="" w="9525">
                   <a:solidFill>
                     <a:srgbClr val="000000"/>
                   </a:solidFill>
@@ -1114,7 +1113,7 @@
             </a:ln>
             <a:extLst>
               <a:ext uri="{91240B29-F687-4f45-9708-019B960494DF}">
-                <a14:hiddenLine xmlns="" xmlns:a14="http://schemas.microsoft.com/office/drawing/2010/main" w="9525">
+                <a14:hiddenLine xmlns:a14="http://schemas.microsoft.com/office/drawing/2010/main" xmlns="" w="9525">
                   <a:solidFill>
                     <a:srgbClr val="000000"/>
                   </a:solidFill>
@@ -1224,7 +1223,7 @@
             </a:ln>
             <a:extLst>
               <a:ext uri="{91240B29-F687-4f45-9708-019B960494DF}">
-                <a14:hiddenLine xmlns="" xmlns:a14="http://schemas.microsoft.com/office/drawing/2010/main" w="9525">
+                <a14:hiddenLine xmlns:a14="http://schemas.microsoft.com/office/drawing/2010/main" xmlns="" w="9525">
                   <a:solidFill>
                     <a:srgbClr val="000000"/>
                   </a:solidFill>
@@ -1286,7 +1285,7 @@
             </a:ln>
             <a:extLst>
               <a:ext uri="{91240B29-F687-4f45-9708-019B960494DF}">
-                <a14:hiddenLine xmlns="" xmlns:a14="http://schemas.microsoft.com/office/drawing/2010/main" w="9525">
+                <a14:hiddenLine xmlns:a14="http://schemas.microsoft.com/office/drawing/2010/main" xmlns="" w="9525">
                   <a:solidFill>
                     <a:srgbClr val="000000"/>
                   </a:solidFill>
@@ -1376,7 +1375,7 @@
             </a:ln>
             <a:extLst>
               <a:ext uri="{91240B29-F687-4f45-9708-019B960494DF}">
-                <a14:hiddenLine xmlns="" xmlns:a14="http://schemas.microsoft.com/office/drawing/2010/main" w="9525">
+                <a14:hiddenLine xmlns:a14="http://schemas.microsoft.com/office/drawing/2010/main" xmlns="" w="9525">
                   <a:solidFill>
                     <a:srgbClr val="000000"/>
                   </a:solidFill>
@@ -1466,7 +1465,7 @@
             </a:ln>
             <a:extLst>
               <a:ext uri="{91240B29-F687-4f45-9708-019B960494DF}">
-                <a14:hiddenLine xmlns="" xmlns:a14="http://schemas.microsoft.com/office/drawing/2010/main" w="9525">
+                <a14:hiddenLine xmlns:a14="http://schemas.microsoft.com/office/drawing/2010/main" xmlns="" w="9525">
                   <a:solidFill>
                     <a:srgbClr val="000000"/>
                   </a:solidFill>
@@ -1528,7 +1527,7 @@
             </a:ln>
             <a:extLst>
               <a:ext uri="{91240B29-F687-4f45-9708-019B960494DF}">
-                <a14:hiddenLine xmlns="" xmlns:a14="http://schemas.microsoft.com/office/drawing/2010/main" w="9525">
+                <a14:hiddenLine xmlns:a14="http://schemas.microsoft.com/office/drawing/2010/main" xmlns="" w="9525">
                   <a:solidFill>
                     <a:srgbClr val="000000"/>
                   </a:solidFill>
@@ -1618,7 +1617,7 @@
             </a:ln>
             <a:extLst>
               <a:ext uri="{91240B29-F687-4f45-9708-019B960494DF}">
-                <a14:hiddenLine xmlns="" xmlns:a14="http://schemas.microsoft.com/office/drawing/2010/main" w="9525">
+                <a14:hiddenLine xmlns:a14="http://schemas.microsoft.com/office/drawing/2010/main" xmlns="" w="9525">
                   <a:solidFill>
                     <a:srgbClr val="000000"/>
                   </a:solidFill>
@@ -1708,7 +1707,7 @@
             </a:ln>
             <a:extLst>
               <a:ext uri="{91240B29-F687-4f45-9708-019B960494DF}">
-                <a14:hiddenLine xmlns="" xmlns:a14="http://schemas.microsoft.com/office/drawing/2010/main" w="9525">
+                <a14:hiddenLine xmlns:a14="http://schemas.microsoft.com/office/drawing/2010/main" xmlns="" w="9525">
                   <a:solidFill>
                     <a:srgbClr val="000000"/>
                   </a:solidFill>
@@ -1764,7 +1763,7 @@
             </a:ln>
             <a:extLst>
               <a:ext uri="{91240B29-F687-4f45-9708-019B960494DF}">
-                <a14:hiddenLine xmlns="" xmlns:a14="http://schemas.microsoft.com/office/drawing/2010/main" w="9525">
+                <a14:hiddenLine xmlns:a14="http://schemas.microsoft.com/office/drawing/2010/main" xmlns="" w="9525">
                   <a:solidFill>
                     <a:srgbClr val="000000"/>
                   </a:solidFill>
@@ -1854,7 +1853,7 @@
             </a:ln>
             <a:extLst>
               <a:ext uri="{91240B29-F687-4f45-9708-019B960494DF}">
-                <a14:hiddenLine xmlns="" xmlns:a14="http://schemas.microsoft.com/office/drawing/2010/main" w="9525">
+                <a14:hiddenLine xmlns:a14="http://schemas.microsoft.com/office/drawing/2010/main" xmlns="" w="9525">
                   <a:solidFill>
                     <a:srgbClr val="000000"/>
                   </a:solidFill>
@@ -1910,7 +1909,7 @@
             </a:ln>
             <a:extLst>
               <a:ext uri="{91240B29-F687-4f45-9708-019B960494DF}">
-                <a14:hiddenLine xmlns="" xmlns:a14="http://schemas.microsoft.com/office/drawing/2010/main" w="9525">
+                <a14:hiddenLine xmlns:a14="http://schemas.microsoft.com/office/drawing/2010/main" xmlns="" w="9525">
                   <a:solidFill>
                     <a:srgbClr val="000000"/>
                   </a:solidFill>
@@ -2000,7 +1999,7 @@
             </a:ln>
             <a:extLst>
               <a:ext uri="{91240B29-F687-4f45-9708-019B960494DF}">
-                <a14:hiddenLine xmlns="" xmlns:a14="http://schemas.microsoft.com/office/drawing/2010/main" w="9525">
+                <a14:hiddenLine xmlns:a14="http://schemas.microsoft.com/office/drawing/2010/main" xmlns="" w="9525">
                   <a:solidFill>
                     <a:srgbClr val="000000"/>
                   </a:solidFill>
@@ -2068,7 +2067,7 @@
             </a:ln>
             <a:extLst>
               <a:ext uri="{91240B29-F687-4f45-9708-019B960494DF}">
-                <a14:hiddenLine xmlns="" xmlns:a14="http://schemas.microsoft.com/office/drawing/2010/main" w="9525">
+                <a14:hiddenLine xmlns:a14="http://schemas.microsoft.com/office/drawing/2010/main" xmlns="" w="9525">
                   <a:solidFill>
                     <a:srgbClr val="000000"/>
                   </a:solidFill>
@@ -2158,7 +2157,7 @@
             </a:ln>
             <a:extLst>
               <a:ext uri="{91240B29-F687-4f45-9708-019B960494DF}">
-                <a14:hiddenLine xmlns="" xmlns:a14="http://schemas.microsoft.com/office/drawing/2010/main" w="9525">
+                <a14:hiddenLine xmlns:a14="http://schemas.microsoft.com/office/drawing/2010/main" xmlns="" w="9525">
                   <a:solidFill>
                     <a:srgbClr val="000000"/>
                   </a:solidFill>
@@ -2226,7 +2225,7 @@
             </a:ln>
             <a:extLst>
               <a:ext uri="{91240B29-F687-4f45-9708-019B960494DF}">
-                <a14:hiddenLine xmlns="" xmlns:a14="http://schemas.microsoft.com/office/drawing/2010/main" w="9525">
+                <a14:hiddenLine xmlns:a14="http://schemas.microsoft.com/office/drawing/2010/main" xmlns="" w="9525">
                   <a:solidFill>
                     <a:srgbClr val="000000"/>
                   </a:solidFill>
@@ -2316,7 +2315,7 @@
             </a:ln>
             <a:extLst>
               <a:ext uri="{91240B29-F687-4f45-9708-019B960494DF}">
-                <a14:hiddenLine xmlns="" xmlns:a14="http://schemas.microsoft.com/office/drawing/2010/main" w="9525">
+                <a14:hiddenLine xmlns:a14="http://schemas.microsoft.com/office/drawing/2010/main" xmlns="" w="9525">
                   <a:solidFill>
                     <a:srgbClr val="000000"/>
                   </a:solidFill>
@@ -2350,7 +2349,7 @@
             </a:ln>
             <a:extLst>
               <a:ext uri="{91240B29-F687-4f45-9708-019B960494DF}">
-                <a14:hiddenLine xmlns="" xmlns:a14="http://schemas.microsoft.com/office/drawing/2010/main" w="9525">
+                <a14:hiddenLine xmlns:a14="http://schemas.microsoft.com/office/drawing/2010/main" xmlns="" w="9525">
                   <a:solidFill>
                     <a:srgbClr val="000000"/>
                   </a:solidFill>
@@ -2440,7 +2439,7 @@
             </a:ln>
             <a:extLst>
               <a:ext uri="{91240B29-F687-4f45-9708-019B960494DF}">
-                <a14:hiddenLine xmlns="" xmlns:a14="http://schemas.microsoft.com/office/drawing/2010/main" w="9525">
+                <a14:hiddenLine xmlns:a14="http://schemas.microsoft.com/office/drawing/2010/main" xmlns="" w="9525">
                   <a:solidFill>
                     <a:srgbClr val="000000"/>
                   </a:solidFill>
@@ -2502,7 +2501,7 @@
             </a:ln>
             <a:extLst>
               <a:ext uri="{91240B29-F687-4f45-9708-019B960494DF}">
-                <a14:hiddenLine xmlns="" xmlns:a14="http://schemas.microsoft.com/office/drawing/2010/main" w="9525">
+                <a14:hiddenLine xmlns:a14="http://schemas.microsoft.com/office/drawing/2010/main" xmlns="" w="9525">
                   <a:solidFill>
                     <a:srgbClr val="000000"/>
                   </a:solidFill>
@@ -2564,7 +2563,7 @@
             </a:ln>
             <a:extLst>
               <a:ext uri="{91240B29-F687-4f45-9708-019B960494DF}">
-                <a14:hiddenLine xmlns="" xmlns:a14="http://schemas.microsoft.com/office/drawing/2010/main" w="9525">
+                <a14:hiddenLine xmlns:a14="http://schemas.microsoft.com/office/drawing/2010/main" xmlns="" w="9525">
                   <a:solidFill>
                     <a:srgbClr val="000000"/>
                   </a:solidFill>
@@ -2654,7 +2653,7 @@
             </a:ln>
             <a:extLst>
               <a:ext uri="{91240B29-F687-4f45-9708-019B960494DF}">
-                <a14:hiddenLine xmlns="" xmlns:a14="http://schemas.microsoft.com/office/drawing/2010/main" w="9525">
+                <a14:hiddenLine xmlns:a14="http://schemas.microsoft.com/office/drawing/2010/main" xmlns="" w="9525">
                   <a:solidFill>
                     <a:srgbClr val="000000"/>
                   </a:solidFill>
@@ -2722,7 +2721,7 @@
             </a:ln>
             <a:extLst>
               <a:ext uri="{91240B29-F687-4f45-9708-019B960494DF}">
-                <a14:hiddenLine xmlns="" xmlns:a14="http://schemas.microsoft.com/office/drawing/2010/main" w="9525">
+                <a14:hiddenLine xmlns:a14="http://schemas.microsoft.com/office/drawing/2010/main" xmlns="" w="9525">
                   <a:solidFill>
                     <a:srgbClr val="000000"/>
                   </a:solidFill>
@@ -2784,7 +2783,7 @@
             </a:ln>
             <a:extLst>
               <a:ext uri="{91240B29-F687-4f45-9708-019B960494DF}">
-                <a14:hiddenLine xmlns="" xmlns:a14="http://schemas.microsoft.com/office/drawing/2010/main" w="9525">
+                <a14:hiddenLine xmlns:a14="http://schemas.microsoft.com/office/drawing/2010/main" xmlns="" w="9525">
                   <a:solidFill>
                     <a:srgbClr val="000000"/>
                   </a:solidFill>
@@ -2874,7 +2873,7 @@
             </a:ln>
             <a:extLst>
               <a:ext uri="{91240B29-F687-4f45-9708-019B960494DF}">
-                <a14:hiddenLine xmlns="" xmlns:a14="http://schemas.microsoft.com/office/drawing/2010/main" w="9525">
+                <a14:hiddenLine xmlns:a14="http://schemas.microsoft.com/office/drawing/2010/main" xmlns="" w="9525">
                   <a:solidFill>
                     <a:srgbClr val="000000"/>
                   </a:solidFill>
@@ -2936,7 +2935,7 @@
             </a:ln>
             <a:extLst>
               <a:ext uri="{91240B29-F687-4f45-9708-019B960494DF}">
-                <a14:hiddenLine xmlns="" xmlns:a14="http://schemas.microsoft.com/office/drawing/2010/main" w="9525">
+                <a14:hiddenLine xmlns:a14="http://schemas.microsoft.com/office/drawing/2010/main" xmlns="" w="9525">
                   <a:solidFill>
                     <a:srgbClr val="000000"/>
                   </a:solidFill>
@@ -3026,7 +3025,7 @@
             </a:ln>
             <a:extLst>
               <a:ext uri="{91240B29-F687-4f45-9708-019B960494DF}">
-                <a14:hiddenLine xmlns="" xmlns:a14="http://schemas.microsoft.com/office/drawing/2010/main" w="9525">
+                <a14:hiddenLine xmlns:a14="http://schemas.microsoft.com/office/drawing/2010/main" xmlns="" w="9525">
                   <a:solidFill>
                     <a:srgbClr val="000000"/>
                   </a:solidFill>
@@ -3088,7 +3087,7 @@
             </a:ln>
             <a:extLst>
               <a:ext uri="{91240B29-F687-4f45-9708-019B960494DF}">
-                <a14:hiddenLine xmlns="" xmlns:a14="http://schemas.microsoft.com/office/drawing/2010/main" w="9525">
+                <a14:hiddenLine xmlns:a14="http://schemas.microsoft.com/office/drawing/2010/main" xmlns="" w="9525">
                   <a:solidFill>
                     <a:srgbClr val="000000"/>
                   </a:solidFill>
@@ -3178,7 +3177,7 @@
             </a:ln>
             <a:extLst>
               <a:ext uri="{91240B29-F687-4f45-9708-019B960494DF}">
-                <a14:hiddenLine xmlns="" xmlns:a14="http://schemas.microsoft.com/office/drawing/2010/main" w="9525">
+                <a14:hiddenLine xmlns:a14="http://schemas.microsoft.com/office/drawing/2010/main" xmlns="" w="9525">
                   <a:solidFill>
                     <a:srgbClr val="000000"/>
                   </a:solidFill>
@@ -3212,7 +3211,7 @@
             </a:ln>
             <a:extLst>
               <a:ext uri="{91240B29-F687-4f45-9708-019B960494DF}">
-                <a14:hiddenLine xmlns="" xmlns:a14="http://schemas.microsoft.com/office/drawing/2010/main" w="9525">
+                <a14:hiddenLine xmlns:a14="http://schemas.microsoft.com/office/drawing/2010/main" xmlns="" w="9525">
                   <a:solidFill>
                     <a:srgbClr val="000000"/>
                   </a:solidFill>
@@ -3277,7 +3276,7 @@
             </a:ln>
             <a:extLst>
               <a:ext uri="{91240B29-F687-4f45-9708-019B960494DF}">
-                <a14:hiddenLine xmlns="" xmlns:a14="http://schemas.microsoft.com/office/drawing/2010/main" w="9525">
+                <a14:hiddenLine xmlns:a14="http://schemas.microsoft.com/office/drawing/2010/main" xmlns="" w="9525">
                   <a:solidFill>
                     <a:srgbClr val="000000"/>
                   </a:solidFill>
@@ -3367,7 +3366,7 @@
             </a:ln>
             <a:extLst>
               <a:ext uri="{91240B29-F687-4f45-9708-019B960494DF}">
-                <a14:hiddenLine xmlns="" xmlns:a14="http://schemas.microsoft.com/office/drawing/2010/main" w="9525">
+                <a14:hiddenLine xmlns:a14="http://schemas.microsoft.com/office/drawing/2010/main" xmlns="" w="9525">
                   <a:solidFill>
                     <a:srgbClr val="000000"/>
                   </a:solidFill>
@@ -3429,7 +3428,7 @@
             </a:ln>
             <a:extLst>
               <a:ext uri="{91240B29-F687-4f45-9708-019B960494DF}">
-                <a14:hiddenLine xmlns="" xmlns:a14="http://schemas.microsoft.com/office/drawing/2010/main" w="9525">
+                <a14:hiddenLine xmlns:a14="http://schemas.microsoft.com/office/drawing/2010/main" xmlns="" w="9525">
                   <a:solidFill>
                     <a:srgbClr val="000000"/>
                   </a:solidFill>
@@ -3519,7 +3518,7 @@
             </a:ln>
             <a:extLst>
               <a:ext uri="{91240B29-F687-4f45-9708-019B960494DF}">
-                <a14:hiddenLine xmlns="" xmlns:a14="http://schemas.microsoft.com/office/drawing/2010/main" w="9525">
+                <a14:hiddenLine xmlns:a14="http://schemas.microsoft.com/office/drawing/2010/main" xmlns="" w="9525">
                   <a:solidFill>
                     <a:srgbClr val="000000"/>
                   </a:solidFill>
@@ -3609,7 +3608,7 @@
             </a:ln>
             <a:extLst>
               <a:ext uri="{91240B29-F687-4f45-9708-019B960494DF}">
-                <a14:hiddenLine xmlns="" xmlns:a14="http://schemas.microsoft.com/office/drawing/2010/main" w="9525">
+                <a14:hiddenLine xmlns:a14="http://schemas.microsoft.com/office/drawing/2010/main" xmlns="" w="9525">
                   <a:solidFill>
                     <a:srgbClr val="000000"/>
                   </a:solidFill>
@@ -3674,7 +3673,7 @@
             </a:ln>
             <a:extLst>
               <a:ext uri="{91240B29-F687-4f45-9708-019B960494DF}">
-                <a14:hiddenLine xmlns="" xmlns:a14="http://schemas.microsoft.com/office/drawing/2010/main" w="9525">
+                <a14:hiddenLine xmlns:a14="http://schemas.microsoft.com/office/drawing/2010/main" xmlns="" w="9525">
                   <a:solidFill>
                     <a:srgbClr val="000000"/>
                   </a:solidFill>
@@ -3736,7 +3735,7 @@
             </a:ln>
             <a:extLst>
               <a:ext uri="{91240B29-F687-4f45-9708-019B960494DF}">
-                <a14:hiddenLine xmlns="" xmlns:a14="http://schemas.microsoft.com/office/drawing/2010/main" w="9525">
+                <a14:hiddenLine xmlns:a14="http://schemas.microsoft.com/office/drawing/2010/main" xmlns="" w="9525">
                   <a:solidFill>
                     <a:srgbClr val="000000"/>
                   </a:solidFill>
@@ -3826,7 +3825,7 @@
             </a:ln>
             <a:extLst>
               <a:ext uri="{91240B29-F687-4f45-9708-019B960494DF}">
-                <a14:hiddenLine xmlns="" xmlns:a14="http://schemas.microsoft.com/office/drawing/2010/main" w="9525">
+                <a14:hiddenLine xmlns:a14="http://schemas.microsoft.com/office/drawing/2010/main" xmlns="" w="9525">
                   <a:solidFill>
                     <a:srgbClr val="000000"/>
                   </a:solidFill>
@@ -3916,7 +3915,7 @@
             </a:ln>
             <a:extLst>
               <a:ext uri="{91240B29-F687-4f45-9708-019B960494DF}">
-                <a14:hiddenLine xmlns="" xmlns:a14="http://schemas.microsoft.com/office/drawing/2010/main" w="9525">
+                <a14:hiddenLine xmlns:a14="http://schemas.microsoft.com/office/drawing/2010/main" xmlns="" w="9525">
                   <a:solidFill>
                     <a:srgbClr val="000000"/>
                   </a:solidFill>
@@ -3978,7 +3977,7 @@
             </a:ln>
             <a:extLst>
               <a:ext uri="{91240B29-F687-4f45-9708-019B960494DF}">
-                <a14:hiddenLine xmlns="" xmlns:a14="http://schemas.microsoft.com/office/drawing/2010/main" w="9525">
+                <a14:hiddenLine xmlns:a14="http://schemas.microsoft.com/office/drawing/2010/main" xmlns="" w="9525">
                   <a:solidFill>
                     <a:srgbClr val="000000"/>
                   </a:solidFill>
@@ -4098,7 +4097,7 @@
             </a:ln>
             <a:extLst>
               <a:ext uri="{91240B29-F687-4f45-9708-019B960494DF}">
-                <a14:hiddenLine xmlns="" xmlns:a14="http://schemas.microsoft.com/office/drawing/2010/main" w="9525">
+                <a14:hiddenLine xmlns:a14="http://schemas.microsoft.com/office/drawing/2010/main" xmlns="" w="9525">
                   <a:solidFill>
                     <a:srgbClr val="000000"/>
                   </a:solidFill>
@@ -4166,7 +4165,7 @@
             </a:ln>
             <a:extLst>
               <a:ext uri="{91240B29-F687-4f45-9708-019B960494DF}">
-                <a14:hiddenLine xmlns="" xmlns:a14="http://schemas.microsoft.com/office/drawing/2010/main" w="9525">
+                <a14:hiddenLine xmlns:a14="http://schemas.microsoft.com/office/drawing/2010/main" xmlns="" w="9525">
                   <a:solidFill>
                     <a:srgbClr val="000000"/>
                   </a:solidFill>
@@ -4256,7 +4255,7 @@
             </a:ln>
             <a:extLst>
               <a:ext uri="{91240B29-F687-4f45-9708-019B960494DF}">
-                <a14:hiddenLine xmlns="" xmlns:a14="http://schemas.microsoft.com/office/drawing/2010/main" w="9525">
+                <a14:hiddenLine xmlns:a14="http://schemas.microsoft.com/office/drawing/2010/main" xmlns="" w="9525">
                   <a:solidFill>
                     <a:srgbClr val="000000"/>
                   </a:solidFill>
@@ -4296,7 +4295,7 @@
           </a:lstStyle>
           <a:p>
             <a:r>
-              <a:rPr lang="en-US" smtClean="0"/>
+              <a:rPr lang="en-US"/>
               <a:t>Click to edit Master title style</a:t>
             </a:r>
             <a:endParaRPr lang="en-US" dirty="0"/>
@@ -4367,7 +4366,7 @@
           </a:lstStyle>
           <a:p>
             <a:r>
-              <a:rPr lang="en-US" smtClean="0"/>
+              <a:rPr lang="en-US"/>
               <a:t>Click to edit Master subtitle style</a:t>
             </a:r>
             <a:endParaRPr lang="en-US" dirty="0"/>
@@ -4511,7 +4510,7 @@
           </a:lstStyle>
           <a:p>
             <a:r>
-              <a:rPr lang="en-US" smtClean="0"/>
+              <a:rPr lang="en-US"/>
               <a:t>Click to edit Master title style</a:t>
             </a:r>
             <a:endParaRPr lang="en-US" dirty="0"/>
@@ -4572,7 +4571,7 @@
               <a:buNone/>
             </a:pPr>
             <a:r>
-              <a:rPr lang="en-US" smtClean="0"/>
+              <a:rPr lang="en-US"/>
               <a:t>Click icon to add picture</a:t>
             </a:r>
             <a:endParaRPr lang="en-US" dirty="0"/>
@@ -4640,7 +4639,7 @@
           <a:p>
             <a:pPr lvl="0"/>
             <a:r>
-              <a:rPr lang="en-US" smtClean="0"/>
+              <a:rPr lang="en-US"/>
               <a:t>Edit Master text styles</a:t>
             </a:r>
           </a:p>
@@ -4768,7 +4767,7 @@
           </a:lstStyle>
           <a:p>
             <a:r>
-              <a:rPr lang="en-US" smtClean="0"/>
+              <a:rPr lang="en-US"/>
               <a:t>Click to edit Master title style</a:t>
             </a:r>
             <a:endParaRPr lang="en-US" dirty="0"/>
@@ -4836,7 +4835,7 @@
           <a:p>
             <a:pPr lvl="0"/>
             <a:r>
-              <a:rPr lang="en-US" smtClean="0"/>
+              <a:rPr lang="en-US"/>
               <a:t>Edit Master text styles</a:t>
             </a:r>
           </a:p>
@@ -4964,7 +4963,7 @@
           </a:lstStyle>
           <a:p>
             <a:r>
-              <a:rPr lang="en-US" smtClean="0"/>
+              <a:rPr lang="en-US"/>
               <a:t>Click to edit Master title style</a:t>
             </a:r>
             <a:endParaRPr lang="en-US" dirty="0"/>
@@ -5032,7 +5031,7 @@
           <a:p>
             <a:pPr lvl="0"/>
             <a:r>
-              <a:rPr lang="en-US" smtClean="0"/>
+              <a:rPr lang="en-US"/>
               <a:t>Edit Master text styles</a:t>
             </a:r>
           </a:p>
@@ -5099,7 +5098,7 @@
           <a:p>
             <a:pPr lvl="0"/>
             <a:r>
-              <a:rPr lang="en-US" smtClean="0"/>
+              <a:rPr lang="en-US"/>
               <a:t>Edit Master text styles</a:t>
             </a:r>
           </a:p>
@@ -5465,7 +5464,7 @@
           </a:lstStyle>
           <a:p>
             <a:r>
-              <a:rPr lang="en-US" smtClean="0"/>
+              <a:rPr lang="en-US"/>
               <a:t>Click to edit Master title style</a:t>
             </a:r>
             <a:endParaRPr lang="en-US" dirty="0"/>
@@ -5533,7 +5532,7 @@
           <a:p>
             <a:pPr lvl="0"/>
             <a:r>
-              <a:rPr lang="en-US" smtClean="0"/>
+              <a:rPr lang="en-US"/>
               <a:t>Edit Master text styles</a:t>
             </a:r>
           </a:p>
@@ -5655,7 +5654,7 @@
           <a:lstStyle/>
           <a:p>
             <a:r>
-              <a:rPr lang="en-US" smtClean="0"/>
+              <a:rPr lang="en-US"/>
               <a:t>Click to edit Master title style</a:t>
             </a:r>
             <a:endParaRPr lang="en-US" dirty="0"/>
@@ -5730,7 +5729,7 @@
           <a:p>
             <a:pPr lvl="0"/>
             <a:r>
-              <a:rPr lang="en-US" smtClean="0"/>
+              <a:rPr lang="en-US"/>
               <a:t>Edit Master text styles</a:t>
             </a:r>
           </a:p>
@@ -5797,7 +5796,7 @@
           <a:p>
             <a:pPr lvl="0"/>
             <a:r>
-              <a:rPr lang="en-US" smtClean="0"/>
+              <a:rPr lang="en-US"/>
               <a:t>Edit Master text styles</a:t>
             </a:r>
           </a:p>
@@ -5871,7 +5870,7 @@
           <a:p>
             <a:pPr lvl="0"/>
             <a:r>
-              <a:rPr lang="en-US" smtClean="0"/>
+              <a:rPr lang="en-US"/>
               <a:t>Edit Master text styles</a:t>
             </a:r>
           </a:p>
@@ -5938,7 +5937,7 @@
           <a:p>
             <a:pPr lvl="0"/>
             <a:r>
-              <a:rPr lang="en-US" smtClean="0"/>
+              <a:rPr lang="en-US"/>
               <a:t>Edit Master text styles</a:t>
             </a:r>
           </a:p>
@@ -6012,7 +6011,7 @@
           <a:p>
             <a:pPr lvl="0"/>
             <a:r>
-              <a:rPr lang="en-US" smtClean="0"/>
+              <a:rPr lang="en-US"/>
               <a:t>Edit Master text styles</a:t>
             </a:r>
           </a:p>
@@ -6079,7 +6078,7 @@
           <a:p>
             <a:pPr lvl="0"/>
             <a:r>
-              <a:rPr lang="en-US" smtClean="0"/>
+              <a:rPr lang="en-US"/>
               <a:t>Edit Master text styles</a:t>
             </a:r>
           </a:p>
@@ -6201,7 +6200,7 @@
           <a:lstStyle/>
           <a:p>
             <a:r>
-              <a:rPr lang="en-US" smtClean="0"/>
+              <a:rPr lang="en-US"/>
               <a:t>Click to edit Master title style</a:t>
             </a:r>
             <a:endParaRPr lang="en-US" dirty="0"/>
@@ -6276,7 +6275,7 @@
           <a:p>
             <a:pPr lvl="0"/>
             <a:r>
-              <a:rPr lang="en-US" smtClean="0"/>
+              <a:rPr lang="en-US"/>
               <a:t>Edit Master text styles</a:t>
             </a:r>
           </a:p>
@@ -6333,7 +6332,7 @@
               <a:buNone/>
             </a:pPr>
             <a:r>
-              <a:rPr lang="en-US" smtClean="0"/>
+              <a:rPr lang="en-US"/>
               <a:t>Click icon to add picture</a:t>
             </a:r>
             <a:endParaRPr lang="en-US" dirty="0"/>
@@ -6401,7 +6400,7 @@
           <a:p>
             <a:pPr lvl="0"/>
             <a:r>
-              <a:rPr lang="en-US" smtClean="0"/>
+              <a:rPr lang="en-US"/>
               <a:t>Edit Master text styles</a:t>
             </a:r>
           </a:p>
@@ -6475,7 +6474,7 @@
           <a:p>
             <a:pPr lvl="0"/>
             <a:r>
-              <a:rPr lang="en-US" smtClean="0"/>
+              <a:rPr lang="en-US"/>
               <a:t>Edit Master text styles</a:t>
             </a:r>
           </a:p>
@@ -6532,7 +6531,7 @@
               <a:buNone/>
             </a:pPr>
             <a:r>
-              <a:rPr lang="en-US" smtClean="0"/>
+              <a:rPr lang="en-US"/>
               <a:t>Click icon to add picture</a:t>
             </a:r>
             <a:endParaRPr lang="en-US" dirty="0"/>
@@ -6600,7 +6599,7 @@
           <a:p>
             <a:pPr lvl="0"/>
             <a:r>
-              <a:rPr lang="en-US" smtClean="0"/>
+              <a:rPr lang="en-US"/>
               <a:t>Edit Master text styles</a:t>
             </a:r>
           </a:p>
@@ -6674,7 +6673,7 @@
           <a:p>
             <a:pPr lvl="0"/>
             <a:r>
-              <a:rPr lang="en-US" smtClean="0"/>
+              <a:rPr lang="en-US"/>
               <a:t>Edit Master text styles</a:t>
             </a:r>
           </a:p>
@@ -6731,7 +6730,7 @@
               <a:buNone/>
             </a:pPr>
             <a:r>
-              <a:rPr lang="en-US" smtClean="0"/>
+              <a:rPr lang="en-US"/>
               <a:t>Click icon to add picture</a:t>
             </a:r>
             <a:endParaRPr lang="en-US" dirty="0"/>
@@ -6799,7 +6798,7 @@
           <a:p>
             <a:pPr lvl="0"/>
             <a:r>
-              <a:rPr lang="en-US" smtClean="0"/>
+              <a:rPr lang="en-US"/>
               <a:t>Edit Master text styles</a:t>
             </a:r>
           </a:p>
@@ -6916,7 +6915,7 @@
           <a:lstStyle/>
           <a:p>
             <a:r>
-              <a:rPr lang="en-US" smtClean="0"/>
+              <a:rPr lang="en-US"/>
               <a:t>Click to edit Master title style</a:t>
             </a:r>
             <a:endParaRPr lang="en-US" dirty="0"/>
@@ -6940,35 +6939,35 @@
           <a:p>
             <a:pPr lvl="0"/>
             <a:r>
-              <a:rPr lang="en-US" smtClean="0"/>
+              <a:rPr lang="en-US"/>
               <a:t>Edit Master text styles</a:t>
             </a:r>
           </a:p>
           <a:p>
             <a:pPr lvl="1"/>
             <a:r>
-              <a:rPr lang="en-US" smtClean="0"/>
+              <a:rPr lang="en-US"/>
               <a:t>Second level</a:t>
             </a:r>
           </a:p>
           <a:p>
             <a:pPr lvl="2"/>
             <a:r>
-              <a:rPr lang="en-US" smtClean="0"/>
+              <a:rPr lang="en-US"/>
               <a:t>Third level</a:t>
             </a:r>
           </a:p>
           <a:p>
             <a:pPr lvl="3"/>
             <a:r>
-              <a:rPr lang="en-US" smtClean="0"/>
+              <a:rPr lang="en-US"/>
               <a:t>Fourth level</a:t>
             </a:r>
           </a:p>
           <a:p>
             <a:pPr lvl="4"/>
             <a:r>
-              <a:rPr lang="en-US" smtClean="0"/>
+              <a:rPr lang="en-US"/>
               <a:t>Fifth level</a:t>
             </a:r>
             <a:endParaRPr lang="en-US" dirty="0"/>
@@ -7091,7 +7090,7 @@
           <a:lstStyle/>
           <a:p>
             <a:r>
-              <a:rPr lang="en-US" smtClean="0"/>
+              <a:rPr lang="en-US"/>
               <a:t>Click to edit Master title style</a:t>
             </a:r>
             <a:endParaRPr lang="en-US" dirty="0"/>
@@ -7120,35 +7119,35 @@
           <a:p>
             <a:pPr lvl="0"/>
             <a:r>
-              <a:rPr lang="en-US" smtClean="0"/>
+              <a:rPr lang="en-US"/>
               <a:t>Edit Master text styles</a:t>
             </a:r>
           </a:p>
           <a:p>
             <a:pPr lvl="1"/>
             <a:r>
-              <a:rPr lang="en-US" smtClean="0"/>
+              <a:rPr lang="en-US"/>
               <a:t>Second level</a:t>
             </a:r>
           </a:p>
           <a:p>
             <a:pPr lvl="2"/>
             <a:r>
-              <a:rPr lang="en-US" smtClean="0"/>
+              <a:rPr lang="en-US"/>
               <a:t>Third level</a:t>
             </a:r>
           </a:p>
           <a:p>
             <a:pPr lvl="3"/>
             <a:r>
-              <a:rPr lang="en-US" smtClean="0"/>
+              <a:rPr lang="en-US"/>
               <a:t>Fourth level</a:t>
             </a:r>
           </a:p>
           <a:p>
             <a:pPr lvl="4"/>
             <a:r>
-              <a:rPr lang="en-US" smtClean="0"/>
+              <a:rPr lang="en-US"/>
               <a:t>Fifth level</a:t>
             </a:r>
             <a:endParaRPr lang="en-US" dirty="0"/>
@@ -7266,7 +7265,7 @@
           <a:lstStyle/>
           <a:p>
             <a:r>
-              <a:rPr lang="en-US" smtClean="0"/>
+              <a:rPr lang="en-US"/>
               <a:t>Click to edit Master title style</a:t>
             </a:r>
             <a:endParaRPr lang="en-US" dirty="0"/>
@@ -7290,35 +7289,35 @@
           <a:p>
             <a:pPr lvl="0"/>
             <a:r>
-              <a:rPr lang="en-US" smtClean="0"/>
+              <a:rPr lang="en-US"/>
               <a:t>Edit Master text styles</a:t>
             </a:r>
           </a:p>
           <a:p>
             <a:pPr lvl="1"/>
             <a:r>
-              <a:rPr lang="en-US" smtClean="0"/>
+              <a:rPr lang="en-US"/>
               <a:t>Second level</a:t>
             </a:r>
           </a:p>
           <a:p>
             <a:pPr lvl="2"/>
             <a:r>
-              <a:rPr lang="en-US" smtClean="0"/>
+              <a:rPr lang="en-US"/>
               <a:t>Third level</a:t>
             </a:r>
           </a:p>
           <a:p>
             <a:pPr lvl="3"/>
             <a:r>
-              <a:rPr lang="en-US" smtClean="0"/>
+              <a:rPr lang="en-US"/>
               <a:t>Fourth level</a:t>
             </a:r>
           </a:p>
           <a:p>
             <a:pPr lvl="4"/>
             <a:r>
-              <a:rPr lang="en-US" smtClean="0"/>
+              <a:rPr lang="en-US"/>
               <a:t>Fifth level</a:t>
             </a:r>
             <a:endParaRPr lang="en-US" dirty="0"/>
@@ -7447,7 +7446,7 @@
           </a:lstStyle>
           <a:p>
             <a:r>
-              <a:rPr lang="en-US" smtClean="0"/>
+              <a:rPr lang="en-US"/>
               <a:t>Click to edit Master title style</a:t>
             </a:r>
             <a:endParaRPr lang="en-US" dirty="0"/>
@@ -7569,7 +7568,7 @@
           <a:p>
             <a:pPr lvl="0"/>
             <a:r>
-              <a:rPr lang="en-US" smtClean="0"/>
+              <a:rPr lang="en-US"/>
               <a:t>Edit Master text styles</a:t>
             </a:r>
           </a:p>
@@ -7686,7 +7685,7 @@
           <a:lstStyle/>
           <a:p>
             <a:r>
-              <a:rPr lang="en-US" smtClean="0"/>
+              <a:rPr lang="en-US"/>
               <a:t>Click to edit Master title style</a:t>
             </a:r>
             <a:endParaRPr lang="en-US" dirty="0"/>
@@ -7715,35 +7714,35 @@
           <a:p>
             <a:pPr lvl="0"/>
             <a:r>
-              <a:rPr lang="en-US" smtClean="0"/>
+              <a:rPr lang="en-US"/>
               <a:t>Edit Master text styles</a:t>
             </a:r>
           </a:p>
           <a:p>
             <a:pPr lvl="1"/>
             <a:r>
-              <a:rPr lang="en-US" smtClean="0"/>
+              <a:rPr lang="en-US"/>
               <a:t>Second level</a:t>
             </a:r>
           </a:p>
           <a:p>
             <a:pPr lvl="2"/>
             <a:r>
-              <a:rPr lang="en-US" smtClean="0"/>
+              <a:rPr lang="en-US"/>
               <a:t>Third level</a:t>
             </a:r>
           </a:p>
           <a:p>
             <a:pPr lvl="3"/>
             <a:r>
-              <a:rPr lang="en-US" smtClean="0"/>
+              <a:rPr lang="en-US"/>
               <a:t>Fourth level</a:t>
             </a:r>
           </a:p>
           <a:p>
             <a:pPr lvl="4"/>
             <a:r>
-              <a:rPr lang="en-US" smtClean="0"/>
+              <a:rPr lang="en-US"/>
               <a:t>Fifth level</a:t>
             </a:r>
             <a:endParaRPr lang="en-US" dirty="0"/>
@@ -7772,35 +7771,35 @@
           <a:p>
             <a:pPr lvl="0"/>
             <a:r>
-              <a:rPr lang="en-US" smtClean="0"/>
+              <a:rPr lang="en-US"/>
               <a:t>Edit Master text styles</a:t>
             </a:r>
           </a:p>
           <a:p>
             <a:pPr lvl="1"/>
             <a:r>
-              <a:rPr lang="en-US" smtClean="0"/>
+              <a:rPr lang="en-US"/>
               <a:t>Second level</a:t>
             </a:r>
           </a:p>
           <a:p>
             <a:pPr lvl="2"/>
             <a:r>
-              <a:rPr lang="en-US" smtClean="0"/>
+              <a:rPr lang="en-US"/>
               <a:t>Third level</a:t>
             </a:r>
           </a:p>
           <a:p>
             <a:pPr lvl="3"/>
             <a:r>
-              <a:rPr lang="en-US" smtClean="0"/>
+              <a:rPr lang="en-US"/>
               <a:t>Fourth level</a:t>
             </a:r>
           </a:p>
           <a:p>
             <a:pPr lvl="4"/>
             <a:r>
-              <a:rPr lang="en-US" smtClean="0"/>
+              <a:rPr lang="en-US"/>
               <a:t>Fifth level</a:t>
             </a:r>
             <a:endParaRPr lang="en-US" dirty="0"/>
@@ -7923,7 +7922,7 @@
           <a:lstStyle/>
           <a:p>
             <a:r>
-              <a:rPr lang="en-US" smtClean="0"/>
+              <a:rPr lang="en-US"/>
               <a:t>Click to edit Master title style</a:t>
             </a:r>
             <a:endParaRPr lang="en-US" dirty="0"/>
@@ -7996,7 +7995,7 @@
           <a:p>
             <a:pPr lvl="0"/>
             <a:r>
-              <a:rPr lang="en-US" smtClean="0"/>
+              <a:rPr lang="en-US"/>
               <a:t>Edit Master text styles</a:t>
             </a:r>
           </a:p>
@@ -8024,35 +8023,35 @@
           <a:p>
             <a:pPr lvl="0"/>
             <a:r>
-              <a:rPr lang="en-US" smtClean="0"/>
+              <a:rPr lang="en-US"/>
               <a:t>Edit Master text styles</a:t>
             </a:r>
           </a:p>
           <a:p>
             <a:pPr lvl="1"/>
             <a:r>
-              <a:rPr lang="en-US" smtClean="0"/>
+              <a:rPr lang="en-US"/>
               <a:t>Second level</a:t>
             </a:r>
           </a:p>
           <a:p>
             <a:pPr lvl="2"/>
             <a:r>
-              <a:rPr lang="en-US" smtClean="0"/>
+              <a:rPr lang="en-US"/>
               <a:t>Third level</a:t>
             </a:r>
           </a:p>
           <a:p>
             <a:pPr lvl="3"/>
             <a:r>
-              <a:rPr lang="en-US" smtClean="0"/>
+              <a:rPr lang="en-US"/>
               <a:t>Fourth level</a:t>
             </a:r>
           </a:p>
           <a:p>
             <a:pPr lvl="4"/>
             <a:r>
-              <a:rPr lang="en-US" smtClean="0"/>
+              <a:rPr lang="en-US"/>
               <a:t>Fifth level</a:t>
             </a:r>
             <a:endParaRPr lang="en-US" dirty="0"/>
@@ -8125,7 +8124,7 @@
           <a:p>
             <a:pPr lvl="0"/>
             <a:r>
-              <a:rPr lang="en-US" smtClean="0"/>
+              <a:rPr lang="en-US"/>
               <a:t>Edit Master text styles</a:t>
             </a:r>
           </a:p>
@@ -8153,35 +8152,35 @@
           <a:p>
             <a:pPr lvl="0"/>
             <a:r>
-              <a:rPr lang="en-US" smtClean="0"/>
+              <a:rPr lang="en-US"/>
               <a:t>Edit Master text styles</a:t>
             </a:r>
           </a:p>
           <a:p>
             <a:pPr lvl="1"/>
             <a:r>
-              <a:rPr lang="en-US" smtClean="0"/>
+              <a:rPr lang="en-US"/>
               <a:t>Second level</a:t>
             </a:r>
           </a:p>
           <a:p>
             <a:pPr lvl="2"/>
             <a:r>
-              <a:rPr lang="en-US" smtClean="0"/>
+              <a:rPr lang="en-US"/>
               <a:t>Third level</a:t>
             </a:r>
           </a:p>
           <a:p>
             <a:pPr lvl="3"/>
             <a:r>
-              <a:rPr lang="en-US" smtClean="0"/>
+              <a:rPr lang="en-US"/>
               <a:t>Fourth level</a:t>
             </a:r>
           </a:p>
           <a:p>
             <a:pPr lvl="4"/>
             <a:r>
-              <a:rPr lang="en-US" smtClean="0"/>
+              <a:rPr lang="en-US"/>
               <a:t>Fifth level</a:t>
             </a:r>
             <a:endParaRPr lang="en-US" dirty="0"/>
@@ -8299,7 +8298,7 @@
           <a:lstStyle/>
           <a:p>
             <a:r>
-              <a:rPr lang="en-US" smtClean="0"/>
+              <a:rPr lang="en-US"/>
               <a:t>Click to edit Master title style</a:t>
             </a:r>
             <a:endParaRPr lang="en-US" dirty="0"/>
@@ -8521,7 +8520,7 @@
           </a:lstStyle>
           <a:p>
             <a:r>
-              <a:rPr lang="en-US" smtClean="0"/>
+              <a:rPr lang="en-US"/>
               <a:t>Click to edit Master title style</a:t>
             </a:r>
             <a:endParaRPr lang="en-US" dirty="0"/>
@@ -8550,35 +8549,35 @@
           <a:p>
             <a:pPr lvl="0"/>
             <a:r>
-              <a:rPr lang="en-US" smtClean="0"/>
+              <a:rPr lang="en-US"/>
               <a:t>Edit Master text styles</a:t>
             </a:r>
           </a:p>
           <a:p>
             <a:pPr lvl="1"/>
             <a:r>
-              <a:rPr lang="en-US" smtClean="0"/>
+              <a:rPr lang="en-US"/>
               <a:t>Second level</a:t>
             </a:r>
           </a:p>
           <a:p>
             <a:pPr lvl="2"/>
             <a:r>
-              <a:rPr lang="en-US" smtClean="0"/>
+              <a:rPr lang="en-US"/>
               <a:t>Third level</a:t>
             </a:r>
           </a:p>
           <a:p>
             <a:pPr lvl="3"/>
             <a:r>
-              <a:rPr lang="en-US" smtClean="0"/>
+              <a:rPr lang="en-US"/>
               <a:t>Fourth level</a:t>
             </a:r>
           </a:p>
           <a:p>
             <a:pPr lvl="4"/>
             <a:r>
-              <a:rPr lang="en-US" smtClean="0"/>
+              <a:rPr lang="en-US"/>
               <a:t>Fifth level</a:t>
             </a:r>
             <a:endParaRPr lang="en-US" dirty="0"/>
@@ -8644,7 +8643,7 @@
           <a:p>
             <a:pPr lvl="0"/>
             <a:r>
-              <a:rPr lang="en-US" smtClean="0"/>
+              <a:rPr lang="en-US"/>
               <a:t>Edit Master text styles</a:t>
             </a:r>
           </a:p>
@@ -8770,7 +8769,7 @@
           </a:lstStyle>
           <a:p>
             <a:r>
-              <a:rPr lang="en-US" smtClean="0"/>
+              <a:rPr lang="en-US"/>
               <a:t>Click to edit Master title style</a:t>
             </a:r>
             <a:endParaRPr lang="en-US" dirty="0"/>
@@ -8858,7 +8857,7 @@
           </a:lstStyle>
           <a:p>
             <a:r>
-              <a:rPr lang="en-US" smtClean="0"/>
+              <a:rPr lang="en-US"/>
               <a:t>Click icon to add picture</a:t>
             </a:r>
             <a:endParaRPr lang="en-US" dirty="0"/>
@@ -8924,7 +8923,7 @@
           <a:p>
             <a:pPr lvl="0"/>
             <a:r>
-              <a:rPr lang="en-US" smtClean="0"/>
+              <a:rPr lang="en-US"/>
               <a:t>Edit Master text styles</a:t>
             </a:r>
           </a:p>
@@ -9063,7 +9062,7 @@
           <a:noFill/>
           <a:extLst>
             <a:ext uri="{909E8E84-426E-40dd-AFC4-6F175D3DCCD1}">
-              <a14:hiddenFill xmlns="" xmlns:a14="http://schemas.microsoft.com/office/drawing/2010/main">
+              <a14:hiddenFill xmlns:a14="http://schemas.microsoft.com/office/drawing/2010/main" xmlns="">
                 <a:solidFill>
                   <a:srgbClr val="FFFFFF"/>
                 </a:solidFill>
@@ -9137,7 +9136,7 @@
               </a:ln>
               <a:extLst>
                 <a:ext uri="{91240B29-F687-4f45-9708-019B960494DF}">
-                  <a14:hiddenLine xmlns="" xmlns:a14="http://schemas.microsoft.com/office/drawing/2010/main" w="9525">
+                  <a14:hiddenLine xmlns:a14="http://schemas.microsoft.com/office/drawing/2010/main" xmlns="" w="9525">
                     <a:solidFill>
                       <a:srgbClr val="000000"/>
                     </a:solidFill>
@@ -9227,7 +9226,7 @@
               </a:ln>
               <a:extLst>
                 <a:ext uri="{91240B29-F687-4f45-9708-019B960494DF}">
-                  <a14:hiddenLine xmlns="" xmlns:a14="http://schemas.microsoft.com/office/drawing/2010/main" w="9525">
+                  <a14:hiddenLine xmlns:a14="http://schemas.microsoft.com/office/drawing/2010/main" xmlns="" w="9525">
                     <a:solidFill>
                       <a:srgbClr val="000000"/>
                     </a:solidFill>
@@ -9317,7 +9316,7 @@
               </a:ln>
               <a:extLst>
                 <a:ext uri="{91240B29-F687-4f45-9708-019B960494DF}">
-                  <a14:hiddenLine xmlns="" xmlns:a14="http://schemas.microsoft.com/office/drawing/2010/main" w="9525">
+                  <a14:hiddenLine xmlns:a14="http://schemas.microsoft.com/office/drawing/2010/main" xmlns="" w="9525">
                     <a:solidFill>
                       <a:srgbClr val="000000"/>
                     </a:solidFill>
@@ -9379,7 +9378,7 @@
               </a:ln>
               <a:extLst>
                 <a:ext uri="{91240B29-F687-4f45-9708-019B960494DF}">
-                  <a14:hiddenLine xmlns="" xmlns:a14="http://schemas.microsoft.com/office/drawing/2010/main" w="9525">
+                  <a14:hiddenLine xmlns:a14="http://schemas.microsoft.com/office/drawing/2010/main" xmlns="" w="9525">
                     <a:solidFill>
                       <a:srgbClr val="000000"/>
                     </a:solidFill>
@@ -9469,7 +9468,7 @@
               </a:ln>
               <a:extLst>
                 <a:ext uri="{91240B29-F687-4f45-9708-019B960494DF}">
-                  <a14:hiddenLine xmlns="" xmlns:a14="http://schemas.microsoft.com/office/drawing/2010/main" w="9525">
+                  <a14:hiddenLine xmlns:a14="http://schemas.microsoft.com/office/drawing/2010/main" xmlns="" w="9525">
                     <a:solidFill>
                       <a:srgbClr val="000000"/>
                     </a:solidFill>
@@ -9531,7 +9530,7 @@
               </a:ln>
               <a:extLst>
                 <a:ext uri="{91240B29-F687-4f45-9708-019B960494DF}">
-                  <a14:hiddenLine xmlns="" xmlns:a14="http://schemas.microsoft.com/office/drawing/2010/main" w="9525">
+                  <a14:hiddenLine xmlns:a14="http://schemas.microsoft.com/office/drawing/2010/main" xmlns="" w="9525">
                     <a:solidFill>
                       <a:srgbClr val="000000"/>
                     </a:solidFill>
@@ -9593,7 +9592,7 @@
               </a:ln>
               <a:extLst>
                 <a:ext uri="{91240B29-F687-4f45-9708-019B960494DF}">
-                  <a14:hiddenLine xmlns="" xmlns:a14="http://schemas.microsoft.com/office/drawing/2010/main" w="9525">
+                  <a14:hiddenLine xmlns:a14="http://schemas.microsoft.com/office/drawing/2010/main" xmlns="" w="9525">
                     <a:solidFill>
                       <a:srgbClr val="000000"/>
                     </a:solidFill>
@@ -9683,7 +9682,7 @@
               </a:ln>
               <a:extLst>
                 <a:ext uri="{91240B29-F687-4f45-9708-019B960494DF}">
-                  <a14:hiddenLine xmlns="" xmlns:a14="http://schemas.microsoft.com/office/drawing/2010/main" w="9525">
+                  <a14:hiddenLine xmlns:a14="http://schemas.microsoft.com/office/drawing/2010/main" xmlns="" w="9525">
                     <a:solidFill>
                       <a:srgbClr val="000000"/>
                     </a:solidFill>
@@ -9773,7 +9772,7 @@
               </a:ln>
               <a:extLst>
                 <a:ext uri="{91240B29-F687-4f45-9708-019B960494DF}">
-                  <a14:hiddenLine xmlns="" xmlns:a14="http://schemas.microsoft.com/office/drawing/2010/main" w="9525">
+                  <a14:hiddenLine xmlns:a14="http://schemas.microsoft.com/office/drawing/2010/main" xmlns="" w="9525">
                     <a:solidFill>
                       <a:srgbClr val="000000"/>
                     </a:solidFill>
@@ -9835,7 +9834,7 @@
               </a:ln>
               <a:extLst>
                 <a:ext uri="{91240B29-F687-4f45-9708-019B960494DF}">
-                  <a14:hiddenLine xmlns="" xmlns:a14="http://schemas.microsoft.com/office/drawing/2010/main" w="9525">
+                  <a14:hiddenLine xmlns:a14="http://schemas.microsoft.com/office/drawing/2010/main" xmlns="" w="9525">
                     <a:solidFill>
                       <a:srgbClr val="000000"/>
                     </a:solidFill>
@@ -9945,7 +9944,7 @@
               </a:ln>
               <a:extLst>
                 <a:ext uri="{91240B29-F687-4f45-9708-019B960494DF}">
-                  <a14:hiddenLine xmlns="" xmlns:a14="http://schemas.microsoft.com/office/drawing/2010/main" w="9525">
+                  <a14:hiddenLine xmlns:a14="http://schemas.microsoft.com/office/drawing/2010/main" xmlns="" w="9525">
                     <a:solidFill>
                       <a:srgbClr val="000000"/>
                     </a:solidFill>
@@ -10029,7 +10028,7 @@
               </a:ln>
               <a:extLst>
                 <a:ext uri="{91240B29-F687-4f45-9708-019B960494DF}">
-                  <a14:hiddenLine xmlns="" xmlns:a14="http://schemas.microsoft.com/office/drawing/2010/main" w="9525">
+                  <a14:hiddenLine xmlns:a14="http://schemas.microsoft.com/office/drawing/2010/main" xmlns="" w="9525">
                     <a:solidFill>
                       <a:srgbClr val="000000"/>
                     </a:solidFill>
@@ -10091,7 +10090,7 @@
               </a:ln>
               <a:extLst>
                 <a:ext uri="{91240B29-F687-4f45-9708-019B960494DF}">
-                  <a14:hiddenLine xmlns="" xmlns:a14="http://schemas.microsoft.com/office/drawing/2010/main" w="9525">
+                  <a14:hiddenLine xmlns:a14="http://schemas.microsoft.com/office/drawing/2010/main" xmlns="" w="9525">
                     <a:solidFill>
                       <a:srgbClr val="000000"/>
                     </a:solidFill>
@@ -10153,7 +10152,7 @@
               </a:ln>
               <a:extLst>
                 <a:ext uri="{91240B29-F687-4f45-9708-019B960494DF}">
-                  <a14:hiddenLine xmlns="" xmlns:a14="http://schemas.microsoft.com/office/drawing/2010/main" w="9525">
+                  <a14:hiddenLine xmlns:a14="http://schemas.microsoft.com/office/drawing/2010/main" xmlns="" w="9525">
                     <a:solidFill>
                       <a:srgbClr val="000000"/>
                     </a:solidFill>
@@ -10243,7 +10242,7 @@
               </a:ln>
               <a:extLst>
                 <a:ext uri="{91240B29-F687-4f45-9708-019B960494DF}">
-                  <a14:hiddenLine xmlns="" xmlns:a14="http://schemas.microsoft.com/office/drawing/2010/main" w="9525">
+                  <a14:hiddenLine xmlns:a14="http://schemas.microsoft.com/office/drawing/2010/main" xmlns="" w="9525">
                     <a:solidFill>
                       <a:srgbClr val="000000"/>
                     </a:solidFill>
@@ -10277,7 +10276,7 @@
               </a:ln>
               <a:extLst>
                 <a:ext uri="{91240B29-F687-4f45-9708-019B960494DF}">
-                  <a14:hiddenLine xmlns="" xmlns:a14="http://schemas.microsoft.com/office/drawing/2010/main" w="9525">
+                  <a14:hiddenLine xmlns:a14="http://schemas.microsoft.com/office/drawing/2010/main" xmlns="" w="9525">
                     <a:solidFill>
                       <a:srgbClr val="000000"/>
                     </a:solidFill>
@@ -10342,7 +10341,7 @@
               </a:ln>
               <a:extLst>
                 <a:ext uri="{91240B29-F687-4f45-9708-019B960494DF}">
-                  <a14:hiddenLine xmlns="" xmlns:a14="http://schemas.microsoft.com/office/drawing/2010/main" w="9525">
+                  <a14:hiddenLine xmlns:a14="http://schemas.microsoft.com/office/drawing/2010/main" xmlns="" w="9525">
                     <a:solidFill>
                       <a:srgbClr val="000000"/>
                     </a:solidFill>
@@ -10432,7 +10431,7 @@
               </a:ln>
               <a:extLst>
                 <a:ext uri="{91240B29-F687-4f45-9708-019B960494DF}">
-                  <a14:hiddenLine xmlns="" xmlns:a14="http://schemas.microsoft.com/office/drawing/2010/main" w="9525">
+                  <a14:hiddenLine xmlns:a14="http://schemas.microsoft.com/office/drawing/2010/main" xmlns="" w="9525">
                     <a:solidFill>
                       <a:srgbClr val="000000"/>
                     </a:solidFill>
@@ -10494,7 +10493,7 @@
               </a:ln>
               <a:extLst>
                 <a:ext uri="{91240B29-F687-4f45-9708-019B960494DF}">
-                  <a14:hiddenLine xmlns="" xmlns:a14="http://schemas.microsoft.com/office/drawing/2010/main" w="9525">
+                  <a14:hiddenLine xmlns:a14="http://schemas.microsoft.com/office/drawing/2010/main" xmlns="" w="9525">
                     <a:solidFill>
                       <a:srgbClr val="000000"/>
                     </a:solidFill>
@@ -10584,7 +10583,7 @@
               </a:ln>
               <a:extLst>
                 <a:ext uri="{91240B29-F687-4f45-9708-019B960494DF}">
-                  <a14:hiddenLine xmlns="" xmlns:a14="http://schemas.microsoft.com/office/drawing/2010/main" w="9525">
+                  <a14:hiddenLine xmlns:a14="http://schemas.microsoft.com/office/drawing/2010/main" xmlns="" w="9525">
                     <a:solidFill>
                       <a:srgbClr val="000000"/>
                     </a:solidFill>
@@ -10649,7 +10648,7 @@
               </a:ln>
               <a:extLst>
                 <a:ext uri="{91240B29-F687-4f45-9708-019B960494DF}">
-                  <a14:hiddenLine xmlns="" xmlns:a14="http://schemas.microsoft.com/office/drawing/2010/main" w="9525">
+                  <a14:hiddenLine xmlns:a14="http://schemas.microsoft.com/office/drawing/2010/main" xmlns="" w="9525">
                     <a:solidFill>
                       <a:srgbClr val="000000"/>
                     </a:solidFill>
@@ -10711,7 +10710,7 @@
               </a:ln>
               <a:extLst>
                 <a:ext uri="{91240B29-F687-4f45-9708-019B960494DF}">
-                  <a14:hiddenLine xmlns="" xmlns:a14="http://schemas.microsoft.com/office/drawing/2010/main" w="9525">
+                  <a14:hiddenLine xmlns:a14="http://schemas.microsoft.com/office/drawing/2010/main" xmlns="" w="9525">
                     <a:solidFill>
                       <a:srgbClr val="000000"/>
                     </a:solidFill>
@@ -10801,7 +10800,7 @@
               </a:ln>
               <a:extLst>
                 <a:ext uri="{91240B29-F687-4f45-9708-019B960494DF}">
-                  <a14:hiddenLine xmlns="" xmlns:a14="http://schemas.microsoft.com/office/drawing/2010/main" w="9525">
+                  <a14:hiddenLine xmlns:a14="http://schemas.microsoft.com/office/drawing/2010/main" xmlns="" w="9525">
                     <a:solidFill>
                       <a:srgbClr val="000000"/>
                     </a:solidFill>
@@ -10891,7 +10890,7 @@
               </a:ln>
               <a:extLst>
                 <a:ext uri="{91240B29-F687-4f45-9708-019B960494DF}">
-                  <a14:hiddenLine xmlns="" xmlns:a14="http://schemas.microsoft.com/office/drawing/2010/main" w="9525">
+                  <a14:hiddenLine xmlns:a14="http://schemas.microsoft.com/office/drawing/2010/main" xmlns="" w="9525">
                     <a:solidFill>
                       <a:srgbClr val="000000"/>
                     </a:solidFill>
@@ -10956,7 +10955,7 @@
               </a:ln>
               <a:extLst>
                 <a:ext uri="{91240B29-F687-4f45-9708-019B960494DF}">
-                  <a14:hiddenLine xmlns="" xmlns:a14="http://schemas.microsoft.com/office/drawing/2010/main" w="9525">
+                  <a14:hiddenLine xmlns:a14="http://schemas.microsoft.com/office/drawing/2010/main" xmlns="" w="9525">
                     <a:solidFill>
                       <a:srgbClr val="000000"/>
                     </a:solidFill>
@@ -11076,7 +11075,7 @@
               </a:ln>
               <a:extLst>
                 <a:ext uri="{91240B29-F687-4f45-9708-019B960494DF}">
-                  <a14:hiddenLine xmlns="" xmlns:a14="http://schemas.microsoft.com/office/drawing/2010/main" w="9525">
+                  <a14:hiddenLine xmlns:a14="http://schemas.microsoft.com/office/drawing/2010/main" xmlns="" w="9525">
                     <a:solidFill>
                       <a:srgbClr val="000000"/>
                     </a:solidFill>
@@ -11174,7 +11173,7 @@
               </a:ln>
               <a:extLst>
                 <a:ext uri="{91240B29-F687-4f45-9708-019B960494DF}">
-                  <a14:hiddenLine xmlns="" xmlns:a14="http://schemas.microsoft.com/office/drawing/2010/main" w="9525">
+                  <a14:hiddenLine xmlns:a14="http://schemas.microsoft.com/office/drawing/2010/main" xmlns="" w="9525">
                     <a:solidFill>
                       <a:srgbClr val="000000"/>
                     </a:solidFill>
@@ -11289,7 +11288,7 @@
               </a:ln>
               <a:extLst>
                 <a:ext uri="{91240B29-F687-4f45-9708-019B960494DF}">
-                  <a14:hiddenLine xmlns="" xmlns:a14="http://schemas.microsoft.com/office/drawing/2010/main" w="9525">
+                  <a14:hiddenLine xmlns:a14="http://schemas.microsoft.com/office/drawing/2010/main" xmlns="" w="9525">
                     <a:solidFill>
                       <a:srgbClr val="000000"/>
                     </a:solidFill>
@@ -11379,7 +11378,7 @@
               </a:ln>
               <a:extLst>
                 <a:ext uri="{91240B29-F687-4f45-9708-019B960494DF}">
-                  <a14:hiddenLine xmlns="" xmlns:a14="http://schemas.microsoft.com/office/drawing/2010/main" w="9525">
+                  <a14:hiddenLine xmlns:a14="http://schemas.microsoft.com/office/drawing/2010/main" xmlns="" w="9525">
                     <a:solidFill>
                       <a:srgbClr val="000000"/>
                     </a:solidFill>
@@ -11444,7 +11443,7 @@
               </a:ln>
               <a:extLst>
                 <a:ext uri="{91240B29-F687-4f45-9708-019B960494DF}">
-                  <a14:hiddenLine xmlns="" xmlns:a14="http://schemas.microsoft.com/office/drawing/2010/main" w="9525">
+                  <a14:hiddenLine xmlns:a14="http://schemas.microsoft.com/office/drawing/2010/main" xmlns="" w="9525">
                     <a:solidFill>
                       <a:srgbClr val="000000"/>
                     </a:solidFill>
@@ -11534,7 +11533,7 @@
               </a:ln>
               <a:extLst>
                 <a:ext uri="{91240B29-F687-4f45-9708-019B960494DF}">
-                  <a14:hiddenLine xmlns="" xmlns:a14="http://schemas.microsoft.com/office/drawing/2010/main" w="9525">
+                  <a14:hiddenLine xmlns:a14="http://schemas.microsoft.com/office/drawing/2010/main" xmlns="" w="9525">
                     <a:solidFill>
                       <a:srgbClr val="000000"/>
                     </a:solidFill>
@@ -11602,7 +11601,7 @@
               </a:ln>
               <a:extLst>
                 <a:ext uri="{91240B29-F687-4f45-9708-019B960494DF}">
-                  <a14:hiddenLine xmlns="" xmlns:a14="http://schemas.microsoft.com/office/drawing/2010/main" w="9525">
+                  <a14:hiddenLine xmlns:a14="http://schemas.microsoft.com/office/drawing/2010/main" xmlns="" w="9525">
                     <a:solidFill>
                       <a:srgbClr val="000000"/>
                     </a:solidFill>
@@ -11692,7 +11691,7 @@
               </a:ln>
               <a:extLst>
                 <a:ext uri="{91240B29-F687-4f45-9708-019B960494DF}">
-                  <a14:hiddenLine xmlns="" xmlns:a14="http://schemas.microsoft.com/office/drawing/2010/main" w="9525">
+                  <a14:hiddenLine xmlns:a14="http://schemas.microsoft.com/office/drawing/2010/main" xmlns="" w="9525">
                     <a:solidFill>
                       <a:srgbClr val="000000"/>
                     </a:solidFill>
@@ -11760,7 +11759,7 @@
               </a:ln>
               <a:extLst>
                 <a:ext uri="{91240B29-F687-4f45-9708-019B960494DF}">
-                  <a14:hiddenLine xmlns="" xmlns:a14="http://schemas.microsoft.com/office/drawing/2010/main" w="9525">
+                  <a14:hiddenLine xmlns:a14="http://schemas.microsoft.com/office/drawing/2010/main" xmlns="" w="9525">
                     <a:solidFill>
                       <a:srgbClr val="000000"/>
                     </a:solidFill>
@@ -11850,7 +11849,7 @@
               </a:ln>
               <a:extLst>
                 <a:ext uri="{91240B29-F687-4f45-9708-019B960494DF}">
-                  <a14:hiddenLine xmlns="" xmlns:a14="http://schemas.microsoft.com/office/drawing/2010/main" w="9525">
+                  <a14:hiddenLine xmlns:a14="http://schemas.microsoft.com/office/drawing/2010/main" xmlns="" w="9525">
                     <a:solidFill>
                       <a:srgbClr val="000000"/>
                     </a:solidFill>
@@ -11884,7 +11883,7 @@
               </a:ln>
               <a:extLst>
                 <a:ext uri="{91240B29-F687-4f45-9708-019B960494DF}">
-                  <a14:hiddenLine xmlns="" xmlns:a14="http://schemas.microsoft.com/office/drawing/2010/main" w="9525">
+                  <a14:hiddenLine xmlns:a14="http://schemas.microsoft.com/office/drawing/2010/main" xmlns="" w="9525">
                     <a:solidFill>
                       <a:srgbClr val="000000"/>
                     </a:solidFill>
@@ -11954,35 +11953,35 @@
           <a:p>
             <a:pPr lvl="0"/>
             <a:r>
-              <a:rPr lang="en-US" smtClean="0"/>
+              <a:rPr lang="en-US"/>
               <a:t>Edit Master text styles</a:t>
             </a:r>
           </a:p>
           <a:p>
             <a:pPr lvl="1"/>
             <a:r>
-              <a:rPr lang="en-US" smtClean="0"/>
+              <a:rPr lang="en-US"/>
               <a:t>Second level</a:t>
             </a:r>
           </a:p>
           <a:p>
             <a:pPr lvl="2"/>
             <a:r>
-              <a:rPr lang="en-US" smtClean="0"/>
+              <a:rPr lang="en-US"/>
               <a:t>Third level</a:t>
             </a:r>
           </a:p>
           <a:p>
             <a:pPr lvl="3"/>
             <a:r>
-              <a:rPr lang="en-US" smtClean="0"/>
+              <a:rPr lang="en-US"/>
               <a:t>Fourth level</a:t>
             </a:r>
           </a:p>
           <a:p>
             <a:pPr lvl="4"/>
             <a:r>
-              <a:rPr lang="en-US" smtClean="0"/>
+              <a:rPr lang="en-US"/>
               <a:t>Fifth level</a:t>
             </a:r>
             <a:endParaRPr lang="en-US" dirty="0"/>
@@ -12460,10 +12459,9 @@
           <a:lstStyle/>
           <a:p>
             <a:r>
-              <a:rPr lang="en-US" dirty="0" smtClean="0"/>
+              <a:rPr lang="en-US" dirty="0"/>
               <a:t>Better Census Bureau</a:t>
             </a:r>
-            <a:endParaRPr lang="en-US" dirty="0"/>
           </a:p>
         </p:txBody>
       </p:sp>
@@ -12496,7 +12494,7 @@
               <a:rPr lang="en-US" dirty="0"/>
               <a:t>, </a:t>
             </a:r>
-            <a:endParaRPr lang="en-US" b="0" dirty="0" smtClean="0">
+            <a:endParaRPr lang="en-US" b="0" dirty="0">
               <a:effectLst/>
             </a:endParaRPr>
           </a:p>
@@ -12505,17 +12503,13 @@
               <a:rPr lang="en-US" dirty="0"/>
               <a:t>and John Burke </a:t>
             </a:r>
-            <a:endParaRPr lang="en-US" b="0" dirty="0" smtClean="0">
+            <a:endParaRPr lang="en-US" b="0" dirty="0">
               <a:effectLst/>
             </a:endParaRPr>
           </a:p>
           <a:p>
-            <a:r>
-              <a:rPr lang="en-US" dirty="0" smtClean="0"/>
-              <a:t/>
-            </a:r>
             <a:br>
-              <a:rPr lang="en-US" dirty="0" smtClean="0"/>
+              <a:rPr lang="en-US" dirty="0"/>
             </a:br>
             <a:endParaRPr lang="en-US" dirty="0"/>
           </a:p>
@@ -12837,7 +12831,7 @@
         </p:nvSpPr>
         <p:spPr>
           <a:xfrm>
-            <a:off x="1141412" y="242737"/>
+            <a:off x="1141413" y="220166"/>
             <a:ext cx="9905998" cy="1478570"/>
           </a:xfrm>
         </p:spPr>
@@ -12847,67 +12841,89 @@
           <a:p>
             <a:pPr algn="ctr"/>
             <a:r>
-              <a:rPr lang="en-US" dirty="0" smtClean="0"/>
-              <a:t>What defines Social vulnerability?</a:t>
+              <a:rPr lang="en-US" dirty="0"/>
+              <a:t>Questions </a:t>
             </a:r>
-            <a:endParaRPr lang="en-US" dirty="0"/>
           </a:p>
         </p:txBody>
       </p:sp>
-      <p:pic>
-        <p:nvPicPr>
-          <p:cNvPr id="4" name="Content Placeholder 3" descr="page3image47170992"/>
-          <p:cNvPicPr>
-            <a:picLocks noGrp="1"/>
-          </p:cNvPicPr>
+      <p:sp>
+        <p:nvSpPr>
+          <p:cNvPr id="3" name="Content Placeholder 2"/>
+          <p:cNvSpPr>
+            <a:spLocks noGrp="1"/>
+          </p:cNvSpPr>
           <p:nvPr>
             <p:ph idx="1"/>
           </p:nvPr>
-        </p:nvPicPr>
-        <p:blipFill>
-          <a:blip r:embed="rId2" cstate="print">
-            <a:extLst>
-              <a:ext uri="{28A0092B-C50C-407E-A947-70E740481C1C}">
-                <a14:useLocalDpi xmlns:a14="http://schemas.microsoft.com/office/drawing/2010/main" val="0"/>
-              </a:ext>
-            </a:extLst>
-          </a:blip>
-          <a:srcRect/>
-          <a:stretch>
-            <a:fillRect/>
-          </a:stretch>
-        </p:blipFill>
-        <p:spPr bwMode="auto">
+        </p:nvSpPr>
+        <p:spPr>
           <a:xfrm>
-            <a:off x="3025806" y="1522131"/>
-            <a:ext cx="6137209" cy="4992644"/>
+            <a:off x="1467337" y="1698736"/>
+            <a:ext cx="9905999" cy="3541714"/>
           </a:xfrm>
-          <a:prstGeom prst="rect">
-            <a:avLst/>
-          </a:prstGeom>
-          <a:noFill/>
-          <a:ln>
-            <a:noFill/>
-          </a:ln>
         </p:spPr>
-      </p:pic>
+        <p:txBody>
+          <a:bodyPr>
+            <a:normAutofit fontScale="92500" lnSpcReduction="20000"/>
+          </a:bodyPr>
+          <a:lstStyle/>
+          <a:p>
+            <a:pPr lvl="0"/>
+            <a:r>
+              <a:rPr lang="en-US" dirty="0"/>
+              <a:t>What is the social vulnerability index?</a:t>
+            </a:r>
+          </a:p>
+          <a:p>
+            <a:pPr lvl="0"/>
+            <a:endParaRPr lang="en-US" dirty="0"/>
+          </a:p>
+          <a:p>
+            <a:pPr lvl="0"/>
+            <a:r>
+              <a:rPr lang="en-US" dirty="0"/>
+              <a:t>What are any inherent biases for how the data is grouped?</a:t>
+            </a:r>
+          </a:p>
+          <a:p>
+            <a:endParaRPr lang="en-US" dirty="0"/>
+          </a:p>
+          <a:p>
+            <a:r>
+              <a:rPr lang="en-US" dirty="0"/>
+              <a:t>How is the population split geographically in terms of education, social vulnerability and income?</a:t>
+            </a:r>
+          </a:p>
+          <a:p>
+            <a:endParaRPr lang="en-US" dirty="0"/>
+          </a:p>
+          <a:p>
+            <a:r>
+              <a:rPr lang="en-US" dirty="0"/>
+              <a:t>How does Harris County compare to the U.S.?</a:t>
+            </a:r>
+          </a:p>
+          <a:p>
+            <a:pPr lvl="0"/>
+            <a:endParaRPr lang="en-US" dirty="0"/>
+          </a:p>
+          <a:p>
+            <a:pPr lvl="0"/>
+            <a:endParaRPr lang="en-US" dirty="0"/>
+          </a:p>
+        </p:txBody>
+      </p:sp>
     </p:spTree>
     <p:extLst>
       <p:ext uri="{BB962C8B-B14F-4D97-AF65-F5344CB8AC3E}">
-        <p14:creationId xmlns:p14="http://schemas.microsoft.com/office/powerpoint/2010/main" val="2303374112"/>
+        <p14:creationId xmlns:p14="http://schemas.microsoft.com/office/powerpoint/2010/main" val="1842932164"/>
       </p:ext>
     </p:extLst>
   </p:cSld>
   <p:clrMapOvr>
     <a:masterClrMapping/>
   </p:clrMapOvr>
-  <p:timing>
-    <p:tnLst>
-      <p:par>
-        <p:cTn id="1" dur="indefinite" restart="never" nodeType="tmRoot"/>
-      </p:par>
-    </p:tnLst>
-  </p:timing>
 </p:sld>
 </file>
 
@@ -12940,7 +12956,7 @@
         </p:nvSpPr>
         <p:spPr>
           <a:xfrm>
-            <a:off x="958533" y="0"/>
+            <a:off x="1141412" y="242737"/>
             <a:ext cx="9905998" cy="1478570"/>
           </a:xfrm>
         </p:spPr>
@@ -12950,258 +12966,95 @@
           <a:p>
             <a:pPr algn="ctr"/>
             <a:r>
-              <a:rPr lang="en-US" dirty="0" smtClean="0"/>
-              <a:t>Context</a:t>
+              <a:rPr lang="en-US" dirty="0"/>
+              <a:t>What IS Social vulnerability?</a:t>
             </a:r>
-            <a:endParaRPr lang="en-US" dirty="0"/>
-          </a:p>
-        </p:txBody>
-      </p:sp>
-      <p:sp>
-        <p:nvSpPr>
-          <p:cNvPr id="3" name="Content Placeholder 2"/>
-          <p:cNvSpPr>
-            <a:spLocks noGrp="1"/>
-          </p:cNvSpPr>
-          <p:nvPr>
-            <p:ph idx="1"/>
-          </p:nvPr>
-        </p:nvSpPr>
-        <p:spPr>
-          <a:xfrm>
-            <a:off x="958532" y="5408323"/>
-            <a:ext cx="9905999" cy="1183669"/>
-          </a:xfrm>
-        </p:spPr>
-        <p:txBody>
-          <a:bodyPr>
-            <a:normAutofit fontScale="92500" lnSpcReduction="20000"/>
-          </a:bodyPr>
-          <a:lstStyle/>
-          <a:p>
-            <a:pPr marL="0" indent="0">
-              <a:buNone/>
-            </a:pPr>
-            <a:r>
-              <a:rPr lang="en-US" dirty="0"/>
-              <a:t>Provide data visualization dashboard of Houston’s Harris County various census metrics and how they relate to each geographic location. </a:t>
-            </a:r>
-            <a:br>
-              <a:rPr lang="en-US" dirty="0"/>
-            </a:br>
-            <a:endParaRPr lang="en-US" dirty="0"/>
           </a:p>
         </p:txBody>
       </p:sp>
       <p:pic>
         <p:nvPicPr>
-          <p:cNvPr id="6" name="Picture 5"/>
+          <p:cNvPr id="4" name="Content Placeholder 3" descr="page3image47170992"/>
           <p:cNvPicPr>
-            <a:picLocks noChangeAspect="1"/>
+            <a:picLocks noGrp="1"/>
           </p:cNvPicPr>
-          <p:nvPr/>
+          <p:nvPr>
+            <p:ph idx="1"/>
+          </p:nvPr>
         </p:nvPicPr>
         <p:blipFill>
-          <a:blip r:embed="rId2">
+          <a:blip r:embed="rId2" cstate="print">
             <a:extLst>
               <a:ext uri="{28A0092B-C50C-407E-A947-70E740481C1C}">
                 <a14:useLocalDpi xmlns:a14="http://schemas.microsoft.com/office/drawing/2010/main" val="0"/>
               </a:ext>
             </a:extLst>
           </a:blip>
+          <a:srcRect/>
           <a:stretch>
             <a:fillRect/>
           </a:stretch>
         </p:blipFill>
-        <p:spPr bwMode="hidden">
+        <p:spPr bwMode="auto">
           <a:xfrm>
-            <a:off x="2047442" y="1170532"/>
-            <a:ext cx="7728178" cy="4011852"/>
+            <a:off x="4836677" y="1477308"/>
+            <a:ext cx="6137209" cy="4992644"/>
           </a:xfrm>
           <a:prstGeom prst="rect">
             <a:avLst/>
           </a:prstGeom>
+          <a:noFill/>
+          <a:ln>
+            <a:noFill/>
+          </a:ln>
         </p:spPr>
       </p:pic>
-    </p:spTree>
-    <p:extLst>
-      <p:ext uri="{BB962C8B-B14F-4D97-AF65-F5344CB8AC3E}">
-        <p14:creationId xmlns:p14="http://schemas.microsoft.com/office/powerpoint/2010/main" val="4059555102"/>
-      </p:ext>
-    </p:extLst>
-  </p:cSld>
-  <p:clrMapOvr>
-    <a:masterClrMapping/>
-  </p:clrMapOvr>
-  <mc:AlternateContent xmlns:mc="http://schemas.openxmlformats.org/markup-compatibility/2006" xmlns:p14="http://schemas.microsoft.com/office/powerpoint/2010/main">
-    <mc:Choice Requires="p14">
-      <p:transition p14:dur="0"/>
-    </mc:Choice>
-    <mc:Fallback xmlns="">
-      <p:transition/>
-    </mc:Fallback>
-  </mc:AlternateContent>
-  <p:timing>
-    <p:tnLst>
-      <p:par>
-        <p:cTn id="1" dur="indefinite" restart="never" nodeType="tmRoot">
-          <p:childTnLst>
-            <p:seq concurrent="1" nextAc="seek">
-              <p:cTn id="2" dur="indefinite" nodeType="mainSeq">
-                <p:childTnLst>
-                  <p:par>
-                    <p:cTn id="3" fill="hold">
-                      <p:stCondLst>
-                        <p:cond delay="indefinite"/>
-                      </p:stCondLst>
-                      <p:childTnLst>
-                        <p:par>
-                          <p:cTn id="4" fill="hold">
-                            <p:stCondLst>
-                              <p:cond delay="0"/>
-                            </p:stCondLst>
-                            <p:childTnLst>
-                              <p:par>
-                                <p:cTn id="5" presetID="1" presetClass="entr" presetSubtype="0" fill="hold" grpId="0" nodeType="clickEffect">
-                                  <p:stCondLst>
-                                    <p:cond delay="0"/>
-                                  </p:stCondLst>
-                                  <p:childTnLst>
-                                    <p:set>
-                                      <p:cBhvr>
-                                        <p:cTn id="6" dur="1" fill="hold">
-                                          <p:stCondLst>
-                                            <p:cond delay="0"/>
-                                          </p:stCondLst>
-                                        </p:cTn>
-                                        <p:tgtEl>
-                                          <p:spTgt spid="3">
-                                            <p:txEl>
-                                              <p:pRg st="0" end="0"/>
-                                            </p:txEl>
-                                          </p:spTgt>
-                                        </p:tgtEl>
-                                        <p:attrNameLst>
-                                          <p:attrName>style.visibility</p:attrName>
-                                        </p:attrNameLst>
-                                      </p:cBhvr>
-                                      <p:to>
-                                        <p:strVal val="visible"/>
-                                      </p:to>
-                                    </p:set>
-                                  </p:childTnLst>
-                                </p:cTn>
-                              </p:par>
-                            </p:childTnLst>
-                          </p:cTn>
-                        </p:par>
-                      </p:childTnLst>
-                    </p:cTn>
-                  </p:par>
-                </p:childTnLst>
-              </p:cTn>
-              <p:prevCondLst>
-                <p:cond evt="onPrev" delay="0">
-                  <p:tgtEl>
-                    <p:sldTgt/>
-                  </p:tgtEl>
-                </p:cond>
-              </p:prevCondLst>
-              <p:nextCondLst>
-                <p:cond evt="onNext" delay="0">
-                  <p:tgtEl>
-                    <p:sldTgt/>
-                  </p:tgtEl>
-                </p:cond>
-              </p:nextCondLst>
-            </p:seq>
-          </p:childTnLst>
-        </p:cTn>
-      </p:par>
-    </p:tnLst>
-    <p:bldLst>
-      <p:bldP spid="3" grpId="0" build="p"/>
-    </p:bldLst>
-  </p:timing>
-</p:sld>
-</file>
-
-<file path=ppt/slides/slide4.xml><?xml version="1.0" encoding="utf-8"?>
-<p:sld xmlns:a="http://schemas.openxmlformats.org/drawingml/2006/main" xmlns:r="http://schemas.openxmlformats.org/officeDocument/2006/relationships" xmlns:p="http://schemas.openxmlformats.org/presentationml/2006/main">
-  <p:cSld>
-    <p:spTree>
-      <p:nvGrpSpPr>
-        <p:cNvPr id="1" name=""/>
-        <p:cNvGrpSpPr/>
-        <p:nvPr/>
-      </p:nvGrpSpPr>
-      <p:grpSpPr>
-        <a:xfrm>
-          <a:off x="0" y="0"/>
-          <a:ext cx="0" cy="0"/>
-          <a:chOff x="0" y="0"/>
-          <a:chExt cx="0" cy="0"/>
-        </a:xfrm>
-      </p:grpSpPr>
       <p:sp>
         <p:nvSpPr>
-          <p:cNvPr id="2" name="Title 1"/>
-          <p:cNvSpPr>
-            <a:spLocks noGrp="1"/>
-          </p:cNvSpPr>
-          <p:nvPr>
-            <p:ph type="title"/>
-          </p:nvPr>
+          <p:cNvPr id="3" name="TextBox 2">
+            <a:extLst>
+              <a:ext uri="{FF2B5EF4-FFF2-40B4-BE49-F238E27FC236}">
+                <a16:creationId xmlns:a16="http://schemas.microsoft.com/office/drawing/2014/main" id="{A361285C-D56E-41E7-9D90-0C627EA8DA63}"/>
+              </a:ext>
+            </a:extLst>
+          </p:cNvPr>
+          <p:cNvSpPr txBox="1"/>
+          <p:nvPr/>
         </p:nvSpPr>
         <p:spPr>
           <a:xfrm>
-            <a:off x="1141412" y="0"/>
-            <a:ext cx="9905998" cy="1478570"/>
-          </a:xfrm>
-        </p:spPr>
-        <p:txBody>
-          <a:bodyPr/>
-          <a:lstStyle/>
-          <a:p>
-            <a:pPr algn="ctr"/>
-            <a:r>
-              <a:rPr lang="en-US" dirty="0" smtClean="0"/>
-              <a:t>The effects of prevailing winds </a:t>
-            </a:r>
-            <a:endParaRPr lang="en-US" dirty="0"/>
-          </a:p>
-        </p:txBody>
-      </p:sp>
-      <p:pic>
-        <p:nvPicPr>
-          <p:cNvPr id="4" name="Content Placeholder 3"/>
-          <p:cNvPicPr>
-            <a:picLocks noGrp="1" noChangeAspect="1"/>
-          </p:cNvPicPr>
-          <p:nvPr>
-            <p:ph idx="1"/>
-          </p:nvPr>
-        </p:nvPicPr>
-        <p:blipFill>
-          <a:blip r:embed="rId2"/>
-          <a:stretch>
-            <a:fillRect/>
-          </a:stretch>
-        </p:blipFill>
-        <p:spPr>
-          <a:xfrm>
-            <a:off x="2368910" y="1638008"/>
-            <a:ext cx="7451001" cy="4240501"/>
+            <a:off x="671806" y="1864659"/>
+            <a:ext cx="4164872" cy="2862322"/>
           </a:xfrm>
           <a:prstGeom prst="rect">
             <a:avLst/>
           </a:prstGeom>
+          <a:noFill/>
         </p:spPr>
-      </p:pic>
+        <p:txBody>
+          <a:bodyPr wrap="square" rtlCol="0">
+            <a:spAutoFit/>
+          </a:bodyPr>
+          <a:lstStyle/>
+          <a:p>
+            <a:r>
+              <a:rPr lang="en-US" sz="1800" dirty="0">
+                <a:effectLst/>
+                <a:latin typeface="Times New Roman" panose="02020603050405020304" pitchFamily="18" charset="0"/>
+                <a:ea typeface="Times New Roman" panose="02020603050405020304" pitchFamily="18" charset="0"/>
+              </a:rPr>
+              <a:t>Social vulnerability refers to the potential negative effects on a community caused by external stresses. Those stresses can be natural or human-caused. Natural stresses can include tornados, hurricanes or diseases. Human-caused stresses can include lack of transportation, over-crowded housing or lack of economic opportunity. </a:t>
+            </a:r>
+          </a:p>
+          <a:p>
+            <a:endParaRPr lang="en-US" dirty="0"/>
+          </a:p>
+        </p:txBody>
+      </p:sp>
     </p:spTree>
     <p:extLst>
       <p:ext uri="{BB962C8B-B14F-4D97-AF65-F5344CB8AC3E}">
-        <p14:creationId xmlns:p14="http://schemas.microsoft.com/office/powerpoint/2010/main" val="2112522876"/>
+        <p14:creationId xmlns:p14="http://schemas.microsoft.com/office/powerpoint/2010/main" val="2303374112"/>
       </p:ext>
     </p:extLst>
   </p:cSld>
@@ -13211,136 +13064,7 @@
 </p:sld>
 </file>
 
-<file path=ppt/slides/slide5.xml><?xml version="1.0" encoding="utf-8"?>
-<p:sld xmlns:a="http://schemas.openxmlformats.org/drawingml/2006/main" xmlns:r="http://schemas.openxmlformats.org/officeDocument/2006/relationships" xmlns:p="http://schemas.openxmlformats.org/presentationml/2006/main">
-  <p:cSld>
-    <p:spTree>
-      <p:nvGrpSpPr>
-        <p:cNvPr id="1" name=""/>
-        <p:cNvGrpSpPr/>
-        <p:nvPr/>
-      </p:nvGrpSpPr>
-      <p:grpSpPr>
-        <a:xfrm>
-          <a:off x="0" y="0"/>
-          <a:ext cx="0" cy="0"/>
-          <a:chOff x="0" y="0"/>
-          <a:chExt cx="0" cy="0"/>
-        </a:xfrm>
-      </p:grpSpPr>
-      <p:sp>
-        <p:nvSpPr>
-          <p:cNvPr id="2" name="Title 1"/>
-          <p:cNvSpPr>
-            <a:spLocks noGrp="1"/>
-          </p:cNvSpPr>
-          <p:nvPr>
-            <p:ph type="title"/>
-          </p:nvPr>
-        </p:nvSpPr>
-        <p:spPr>
-          <a:xfrm>
-            <a:off x="1141413" y="220166"/>
-            <a:ext cx="9905998" cy="1478570"/>
-          </a:xfrm>
-        </p:spPr>
-        <p:txBody>
-          <a:bodyPr/>
-          <a:lstStyle/>
-          <a:p>
-            <a:pPr algn="ctr"/>
-            <a:r>
-              <a:rPr lang="en-US" dirty="0" smtClean="0"/>
-              <a:t>Questions </a:t>
-            </a:r>
-            <a:endParaRPr lang="en-US" dirty="0"/>
-          </a:p>
-        </p:txBody>
-      </p:sp>
-      <p:sp>
-        <p:nvSpPr>
-          <p:cNvPr id="3" name="Content Placeholder 2"/>
-          <p:cNvSpPr>
-            <a:spLocks noGrp="1"/>
-          </p:cNvSpPr>
-          <p:nvPr>
-            <p:ph idx="1"/>
-          </p:nvPr>
-        </p:nvSpPr>
-        <p:spPr>
-          <a:xfrm>
-            <a:off x="1467337" y="1698736"/>
-            <a:ext cx="9905999" cy="3541714"/>
-          </a:xfrm>
-        </p:spPr>
-        <p:txBody>
-          <a:bodyPr/>
-          <a:lstStyle/>
-          <a:p>
-            <a:pPr lvl="0"/>
-            <a:r>
-              <a:rPr lang="en-US" dirty="0" smtClean="0"/>
-              <a:t>What are any inherent biases for how the data is collected?</a:t>
-            </a:r>
-          </a:p>
-          <a:p>
-            <a:endParaRPr lang="en-US" dirty="0" smtClean="0"/>
-          </a:p>
-          <a:p>
-            <a:r>
-              <a:rPr lang="en-US" dirty="0" smtClean="0"/>
-              <a:t>How </a:t>
-            </a:r>
-            <a:r>
-              <a:rPr lang="en-US" dirty="0"/>
-              <a:t>is the population split geographically in terms of education, social vulnerability and income, and how does this compare to the national data</a:t>
-            </a:r>
-            <a:r>
-              <a:rPr lang="en-US" dirty="0" smtClean="0"/>
-              <a:t>?</a:t>
-            </a:r>
-          </a:p>
-          <a:p>
-            <a:endParaRPr lang="en-US" dirty="0"/>
-          </a:p>
-          <a:p>
-            <a:r>
-              <a:rPr lang="en-US" dirty="0" smtClean="0"/>
-              <a:t>How does Harris County compare to the U.S.?</a:t>
-            </a:r>
-            <a:endParaRPr lang="en-US" dirty="0"/>
-          </a:p>
-          <a:p>
-            <a:pPr lvl="0"/>
-            <a:endParaRPr lang="en-US" dirty="0" smtClean="0"/>
-          </a:p>
-          <a:p>
-            <a:pPr lvl="0"/>
-            <a:endParaRPr lang="en-US" dirty="0"/>
-          </a:p>
-        </p:txBody>
-      </p:sp>
-    </p:spTree>
-    <p:extLst>
-      <p:ext uri="{BB962C8B-B14F-4D97-AF65-F5344CB8AC3E}">
-        <p14:creationId xmlns:p14="http://schemas.microsoft.com/office/powerpoint/2010/main" val="1842932164"/>
-      </p:ext>
-    </p:extLst>
-  </p:cSld>
-  <p:clrMapOvr>
-    <a:masterClrMapping/>
-  </p:clrMapOvr>
-  <p:timing>
-    <p:tnLst>
-      <p:par>
-        <p:cTn id="1" dur="indefinite" restart="never" nodeType="tmRoot"/>
-      </p:par>
-    </p:tnLst>
-  </p:timing>
-</p:sld>
-</file>
-
-<file path=ppt/slides/slide6.xml><?xml version="1.0" encoding="utf-8"?>
+<file path=ppt/slides/slide4.xml><?xml version="1.0" encoding="utf-8"?>
 <p:sld xmlns:a="http://schemas.openxmlformats.org/drawingml/2006/main" xmlns:r="http://schemas.openxmlformats.org/officeDocument/2006/relationships" xmlns:p="http://schemas.openxmlformats.org/presentationml/2006/main">
   <p:cSld>
     <p:spTree>
@@ -13379,10 +13103,9 @@
           <a:p>
             <a:pPr algn="ctr"/>
             <a:r>
-              <a:rPr lang="en-US" dirty="0" smtClean="0"/>
+              <a:rPr lang="en-US" dirty="0"/>
               <a:t>Tools we used</a:t>
             </a:r>
-            <a:endParaRPr lang="en-US" dirty="0"/>
           </a:p>
         </p:txBody>
       </p:sp>
@@ -13541,7 +13264,7 @@
               <a:buChar char="•"/>
             </a:pPr>
             <a:r>
-              <a:rPr lang="en-US" sz="3200" dirty="0" smtClean="0"/>
+              <a:rPr lang="en-US" sz="3200" dirty="0"/>
               <a:t>HTML</a:t>
             </a:r>
           </a:p>
@@ -13551,7 +13274,7 @@
               <a:buChar char="•"/>
             </a:pPr>
             <a:r>
-              <a:rPr lang="en-US" sz="3200" dirty="0" smtClean="0"/>
+              <a:rPr lang="en-US" sz="3200" dirty="0"/>
               <a:t>CSS</a:t>
             </a:r>
           </a:p>
@@ -13561,7 +13284,7 @@
               <a:buChar char="•"/>
             </a:pPr>
             <a:r>
-              <a:rPr lang="en-US" sz="3200" dirty="0" smtClean="0"/>
+              <a:rPr lang="en-US" sz="3200" dirty="0"/>
               <a:t>JavaScript</a:t>
             </a:r>
           </a:p>
@@ -13571,10 +13294,10 @@
               <a:buChar char="•"/>
             </a:pPr>
             <a:r>
-              <a:rPr lang="en-US" sz="3200" dirty="0" err="1" smtClean="0"/>
+              <a:rPr lang="en-US" sz="3200" dirty="0" err="1"/>
               <a:t>GeoJSON</a:t>
             </a:r>
-            <a:endParaRPr lang="en-US" sz="3200" dirty="0" smtClean="0"/>
+            <a:endParaRPr lang="en-US" sz="3200" dirty="0"/>
           </a:p>
           <a:p>
             <a:pPr marL="285750" indent="-285750">
@@ -13582,7 +13305,7 @@
               <a:buChar char="•"/>
             </a:pPr>
             <a:r>
-              <a:rPr lang="en-US" sz="3200" dirty="0" smtClean="0"/>
+              <a:rPr lang="en-US" sz="3200" dirty="0"/>
               <a:t>Python</a:t>
             </a:r>
           </a:p>
@@ -13592,7 +13315,7 @@
               <a:buChar char="•"/>
             </a:pPr>
             <a:r>
-              <a:rPr lang="en-US" sz="3200" dirty="0" smtClean="0"/>
+              <a:rPr lang="en-US" sz="3200" dirty="0"/>
               <a:t>Pandas</a:t>
             </a:r>
           </a:p>
@@ -13602,10 +13325,10 @@
               <a:buChar char="•"/>
             </a:pPr>
             <a:r>
-              <a:rPr lang="en-US" sz="3200" dirty="0" err="1" smtClean="0"/>
+              <a:rPr lang="en-US" sz="3200" dirty="0" err="1"/>
               <a:t>GeoPandas</a:t>
             </a:r>
-            <a:endParaRPr lang="en-US" sz="3200" dirty="0" smtClean="0"/>
+            <a:endParaRPr lang="en-US" sz="3200" dirty="0"/>
           </a:p>
           <a:p>
             <a:pPr marL="285750" indent="-285750">
@@ -13613,10 +13336,10 @@
               <a:buChar char="•"/>
             </a:pPr>
             <a:r>
-              <a:rPr lang="en-US" sz="3200" dirty="0" err="1" smtClean="0"/>
+              <a:rPr lang="en-US" sz="3200" dirty="0" err="1"/>
               <a:t>PostgresSQL</a:t>
             </a:r>
-            <a:endParaRPr lang="en-US" sz="3200" dirty="0" smtClean="0"/>
+            <a:endParaRPr lang="en-US" sz="3200" dirty="0"/>
           </a:p>
           <a:p>
             <a:pPr marL="285750" indent="-285750">
@@ -13624,7 +13347,7 @@
               <a:buChar char="•"/>
             </a:pPr>
             <a:r>
-              <a:rPr lang="en-US" sz="3200" dirty="0" smtClean="0"/>
+              <a:rPr lang="en-US" sz="3200" dirty="0"/>
               <a:t>Leaflet </a:t>
             </a:r>
           </a:p>
@@ -13707,17 +13430,10 @@
   <p:clrMapOvr>
     <a:masterClrMapping/>
   </p:clrMapOvr>
-  <p:timing>
-    <p:tnLst>
-      <p:par>
-        <p:cTn id="1" dur="indefinite" restart="never" nodeType="tmRoot"/>
-      </p:par>
-    </p:tnLst>
-  </p:timing>
 </p:sld>
 </file>
 
-<file path=ppt/slides/slide7.xml><?xml version="1.0" encoding="utf-8"?>
+<file path=ppt/slides/slide5.xml><?xml version="1.0" encoding="utf-8"?>
 <p:sld xmlns:a="http://schemas.openxmlformats.org/drawingml/2006/main" xmlns:r="http://schemas.openxmlformats.org/officeDocument/2006/relationships" xmlns:p="http://schemas.openxmlformats.org/presentationml/2006/main">
   <p:cSld>
     <p:spTree>
@@ -13751,10 +13467,9 @@
           <a:p>
             <a:pPr algn="ctr"/>
             <a:r>
-              <a:rPr lang="en-US" dirty="0" smtClean="0"/>
+              <a:rPr lang="en-US" dirty="0"/>
               <a:t>Datasets USED</a:t>
             </a:r>
-            <a:endParaRPr lang="en-US" dirty="0"/>
           </a:p>
         </p:txBody>
       </p:sp>
@@ -13830,7 +13545,7 @@
 </p:sld>
 </file>
 
-<file path=ppt/slides/slide8.xml><?xml version="1.0" encoding="utf-8"?>
+<file path=ppt/slides/slide6.xml><?xml version="1.0" encoding="utf-8"?>
 <p:sld xmlns:a="http://schemas.openxmlformats.org/drawingml/2006/main" xmlns:r="http://schemas.openxmlformats.org/officeDocument/2006/relationships" xmlns:p="http://schemas.openxmlformats.org/presentationml/2006/main">
   <p:cSld>
     <p:spTree>
@@ -13869,10 +13584,9 @@
           <a:p>
             <a:pPr algn="ctr"/>
             <a:r>
-              <a:rPr lang="en-US" dirty="0" smtClean="0"/>
+              <a:rPr lang="en-US" dirty="0"/>
               <a:t>Difficulties we faced </a:t>
             </a:r>
-            <a:endParaRPr lang="en-US" dirty="0"/>
           </a:p>
         </p:txBody>
       </p:sp>
@@ -13932,7 +13646,7 @@
 </p:sld>
 </file>
 
-<file path=ppt/slides/slide9.xml><?xml version="1.0" encoding="utf-8"?>
+<file path=ppt/slides/slide7.xml><?xml version="1.0" encoding="utf-8"?>
 <p:sld xmlns:a="http://schemas.openxmlformats.org/drawingml/2006/main" xmlns:r="http://schemas.openxmlformats.org/officeDocument/2006/relationships" xmlns:p="http://schemas.openxmlformats.org/presentationml/2006/main">
   <p:cSld>
     <p:spTree>
@@ -13968,10 +13682,9 @@
           <a:p>
             <a:pPr algn="ctr"/>
             <a:r>
-              <a:rPr lang="en-US" sz="18000" dirty="0" smtClean="0"/>
+              <a:rPr lang="en-US" sz="18000" dirty="0"/>
               <a:t>Fin </a:t>
             </a:r>
-            <a:endParaRPr lang="en-US" sz="18000" dirty="0"/>
           </a:p>
         </p:txBody>
       </p:sp>
@@ -13979,6 +13692,90 @@
     <p:extLst>
       <p:ext uri="{BB962C8B-B14F-4D97-AF65-F5344CB8AC3E}">
         <p14:creationId xmlns:p14="http://schemas.microsoft.com/office/powerpoint/2010/main" val="389672309"/>
+      </p:ext>
+    </p:extLst>
+  </p:cSld>
+  <p:clrMapOvr>
+    <a:masterClrMapping/>
+  </p:clrMapOvr>
+</p:sld>
+</file>
+
+<file path=ppt/slides/slide8.xml><?xml version="1.0" encoding="utf-8"?>
+<p:sld xmlns:a="http://schemas.openxmlformats.org/drawingml/2006/main" xmlns:r="http://schemas.openxmlformats.org/officeDocument/2006/relationships" xmlns:p="http://schemas.openxmlformats.org/presentationml/2006/main">
+  <p:cSld>
+    <p:spTree>
+      <p:nvGrpSpPr>
+        <p:cNvPr id="1" name=""/>
+        <p:cNvGrpSpPr/>
+        <p:nvPr/>
+      </p:nvGrpSpPr>
+      <p:grpSpPr>
+        <a:xfrm>
+          <a:off x="0" y="0"/>
+          <a:ext cx="0" cy="0"/>
+          <a:chOff x="0" y="0"/>
+          <a:chExt cx="0" cy="0"/>
+        </a:xfrm>
+      </p:grpSpPr>
+      <p:sp>
+        <p:nvSpPr>
+          <p:cNvPr id="2" name="Title 1"/>
+          <p:cNvSpPr>
+            <a:spLocks noGrp="1"/>
+          </p:cNvSpPr>
+          <p:nvPr>
+            <p:ph type="title"/>
+          </p:nvPr>
+        </p:nvSpPr>
+        <p:spPr>
+          <a:xfrm>
+            <a:off x="1141412" y="0"/>
+            <a:ext cx="9905998" cy="1478570"/>
+          </a:xfrm>
+        </p:spPr>
+        <p:txBody>
+          <a:bodyPr/>
+          <a:lstStyle/>
+          <a:p>
+            <a:pPr algn="ctr"/>
+            <a:r>
+              <a:rPr lang="en-US" dirty="0"/>
+              <a:t>The effects of prevailing winds </a:t>
+            </a:r>
+          </a:p>
+        </p:txBody>
+      </p:sp>
+      <p:pic>
+        <p:nvPicPr>
+          <p:cNvPr id="4" name="Content Placeholder 3"/>
+          <p:cNvPicPr>
+            <a:picLocks noGrp="1" noChangeAspect="1"/>
+          </p:cNvPicPr>
+          <p:nvPr>
+            <p:ph idx="1"/>
+          </p:nvPr>
+        </p:nvPicPr>
+        <p:blipFill>
+          <a:blip r:embed="rId2"/>
+          <a:stretch>
+            <a:fillRect/>
+          </a:stretch>
+        </p:blipFill>
+        <p:spPr>
+          <a:xfrm>
+            <a:off x="2368910" y="1638008"/>
+            <a:ext cx="7451001" cy="4240501"/>
+          </a:xfrm>
+          <a:prstGeom prst="rect">
+            <a:avLst/>
+          </a:prstGeom>
+        </p:spPr>
+      </p:pic>
+    </p:spTree>
+    <p:extLst>
+      <p:ext uri="{BB962C8B-B14F-4D97-AF65-F5344CB8AC3E}">
+        <p14:creationId xmlns:p14="http://schemas.microsoft.com/office/powerpoint/2010/main" val="2112522876"/>
       </p:ext>
     </p:extLst>
   </p:cSld>
